--- a/Offline/Marketing/Sales/Sales Material/Flyers/AI-Flyer.pptx
+++ b/Offline/Marketing/Sales/Sales Material/Flyers/AI-Flyer.pptx
@@ -104,6 +104,11 @@
       </a:defRPr>
     </a:lvl9pPr>
   </p:defaultTextStyle>
+  <p:extLst>
+    <p:ext uri="{EFAFB233-063F-42B5-8137-9DF3F51BA10A}">
+      <p15:sldGuideLst xmlns:p15="http://schemas.microsoft.com/office/powerpoint/2012/main"/>
+    </p:ext>
+  </p:extLst>
 </p:presentation>
 </file>
 
@@ -2968,34 +2973,351 @@
       </p:grpSpPr>
       <p:sp>
         <p:nvSpPr>
-          <p:cNvPr id="4" name="TextBox 3"/>
-          <p:cNvSpPr txBox="1"/>
+          <p:cNvPr id="10" name="Rectangle 9"/>
+          <p:cNvSpPr/>
           <p:nvPr/>
         </p:nvSpPr>
         <p:spPr>
-          <a:xfrm flipH="1">
-            <a:off x="2292530" y="2978331"/>
-            <a:ext cx="2161904" cy="369332"/>
+          <a:xfrm>
+            <a:off x="19691" y="0"/>
+            <a:ext cx="6858000" cy="5462678"/>
           </a:xfrm>
           <a:prstGeom prst="rect">
             <a:avLst/>
           </a:prstGeom>
-          <a:noFill/>
+          <a:gradFill>
+            <a:gsLst>
+              <a:gs pos="0">
+                <a:schemeClr val="accent1">
+                  <a:lumMod val="5000"/>
+                  <a:lumOff val="95000"/>
+                  <a:alpha val="0"/>
+                </a:schemeClr>
+              </a:gs>
+              <a:gs pos="61000">
+                <a:srgbClr val="002060">
+                  <a:alpha val="53000"/>
+                </a:srgbClr>
+              </a:gs>
+              <a:gs pos="40260">
+                <a:srgbClr val="546A95">
+                  <a:alpha val="0"/>
+                </a:srgbClr>
+              </a:gs>
+              <a:gs pos="72000">
+                <a:srgbClr val="002060"/>
+              </a:gs>
+              <a:gs pos="100000">
+                <a:schemeClr val="accent1">
+                  <a:lumMod val="45000"/>
+                  <a:lumOff val="55000"/>
+                </a:schemeClr>
+              </a:gs>
+              <a:gs pos="99000">
+                <a:schemeClr val="tx1"/>
+              </a:gs>
+            </a:gsLst>
+            <a:lin ang="5400000" scaled="1"/>
+          </a:gradFill>
+          <a:ln>
+            <a:noFill/>
+          </a:ln>
         </p:spPr>
-        <p:txBody>
-          <a:bodyPr wrap="square" rtlCol="0">
-            <a:spAutoFit/>
-          </a:bodyPr>
-          <a:lstStyle/>
-          <a:p>
-            <a:r>
-              <a:rPr lang="en-US" dirty="0" smtClean="0"/>
-              <a:t>Fun hands-on</a:t>
-            </a:r>
-            <a:endParaRPr lang="en-AU" dirty="0"/>
-          </a:p>
-        </p:txBody>
-      </p:sp>
+        <p:style>
+          <a:lnRef idx="2">
+            <a:schemeClr val="accent1">
+              <a:shade val="50000"/>
+            </a:schemeClr>
+          </a:lnRef>
+          <a:fillRef idx="1">
+            <a:schemeClr val="accent1"/>
+          </a:fillRef>
+          <a:effectRef idx="0">
+            <a:schemeClr val="accent1"/>
+          </a:effectRef>
+          <a:fontRef idx="minor">
+            <a:schemeClr val="lt1"/>
+          </a:fontRef>
+        </p:style>
+        <p:txBody>
+          <a:bodyPr rtlCol="0" anchor="ctr"/>
+          <a:lstStyle/>
+          <a:p>
+            <a:pPr algn="ctr"/>
+            <a:endParaRPr lang="en-AU"/>
+          </a:p>
+        </p:txBody>
+      </p:sp>
+      <p:pic>
+        <p:nvPicPr>
+          <p:cNvPr id="16" name="Picture 15"/>
+          <p:cNvPicPr>
+            <a:picLocks noChangeAspect="1"/>
+          </p:cNvPicPr>
+          <p:nvPr/>
+        </p:nvPicPr>
+        <p:blipFill>
+          <a:blip r:embed="rId2">
+            <a:extLst>
+              <a:ext uri="{28A0092B-C50C-407E-A947-70E740481C1C}">
+                <a14:useLocalDpi xmlns:a14="http://schemas.microsoft.com/office/drawing/2010/main" val="0"/>
+              </a:ext>
+            </a:extLst>
+          </a:blip>
+          <a:stretch>
+            <a:fillRect/>
+          </a:stretch>
+        </p:blipFill>
+        <p:spPr>
+          <a:xfrm>
+            <a:off x="-119990" y="-420961"/>
+            <a:ext cx="6884640" cy="10326961"/>
+          </a:xfrm>
+          <a:prstGeom prst="rect">
+            <a:avLst/>
+          </a:prstGeom>
+        </p:spPr>
+      </p:pic>
+      <p:pic>
+        <p:nvPicPr>
+          <p:cNvPr id="9" name="Picture 8"/>
+          <p:cNvPicPr>
+            <a:picLocks noChangeAspect="1"/>
+          </p:cNvPicPr>
+          <p:nvPr/>
+        </p:nvPicPr>
+        <p:blipFill>
+          <a:blip r:embed="rId3" cstate="print">
+            <a:extLst>
+              <a:ext uri="{28A0092B-C50C-407E-A947-70E740481C1C}">
+                <a14:useLocalDpi xmlns:a14="http://schemas.microsoft.com/office/drawing/2010/main" val="0"/>
+              </a:ext>
+            </a:extLst>
+          </a:blip>
+          <a:stretch>
+            <a:fillRect/>
+          </a:stretch>
+        </p:blipFill>
+        <p:spPr>
+          <a:xfrm flipH="1">
+            <a:off x="3322762" y="1837905"/>
+            <a:ext cx="1861469" cy="1132040"/>
+          </a:xfrm>
+          <a:prstGeom prst="rect">
+            <a:avLst/>
+          </a:prstGeom>
+        </p:spPr>
+      </p:pic>
+      <p:pic>
+        <p:nvPicPr>
+          <p:cNvPr id="5" name="Picture 4"/>
+          <p:cNvPicPr>
+            <a:picLocks noChangeAspect="1"/>
+          </p:cNvPicPr>
+          <p:nvPr/>
+        </p:nvPicPr>
+        <p:blipFill>
+          <a:blip r:embed="rId4">
+            <a:extLst>
+              <a:ext uri="{28A0092B-C50C-407E-A947-70E740481C1C}">
+                <a14:useLocalDpi xmlns:a14="http://schemas.microsoft.com/office/drawing/2010/main" val="0"/>
+              </a:ext>
+            </a:extLst>
+          </a:blip>
+          <a:stretch>
+            <a:fillRect/>
+          </a:stretch>
+        </p:blipFill>
+        <p:spPr>
+          <a:xfrm flipH="1">
+            <a:off x="3781142" y="2083754"/>
+            <a:ext cx="2725378" cy="1657419"/>
+          </a:xfrm>
+          <a:prstGeom prst="rect">
+            <a:avLst/>
+          </a:prstGeom>
+        </p:spPr>
+      </p:pic>
+      <p:pic>
+        <p:nvPicPr>
+          <p:cNvPr id="8" name="Picture 7"/>
+          <p:cNvPicPr>
+            <a:picLocks noChangeAspect="1"/>
+          </p:cNvPicPr>
+          <p:nvPr/>
+        </p:nvPicPr>
+        <p:blipFill>
+          <a:blip r:embed="rId4" cstate="print">
+            <a:extLst>
+              <a:ext uri="{28A0092B-C50C-407E-A947-70E740481C1C}">
+                <a14:useLocalDpi xmlns:a14="http://schemas.microsoft.com/office/drawing/2010/main" val="0"/>
+              </a:ext>
+            </a:extLst>
+          </a:blip>
+          <a:stretch>
+            <a:fillRect/>
+          </a:stretch>
+        </p:blipFill>
+        <p:spPr>
+          <a:xfrm>
+            <a:off x="2199615" y="1836727"/>
+            <a:ext cx="2236765" cy="1245244"/>
+          </a:xfrm>
+          <a:prstGeom prst="rect">
+            <a:avLst/>
+          </a:prstGeom>
+        </p:spPr>
+      </p:pic>
+      <p:pic>
+        <p:nvPicPr>
+          <p:cNvPr id="3" name="Picture 2"/>
+          <p:cNvPicPr>
+            <a:picLocks noChangeAspect="1"/>
+          </p:cNvPicPr>
+          <p:nvPr/>
+        </p:nvPicPr>
+        <p:blipFill>
+          <a:blip r:embed="rId4">
+            <a:extLst>
+              <a:ext uri="{28A0092B-C50C-407E-A947-70E740481C1C}">
+                <a14:useLocalDpi xmlns:a14="http://schemas.microsoft.com/office/drawing/2010/main" val="0"/>
+              </a:ext>
+            </a:extLst>
+          </a:blip>
+          <a:stretch>
+            <a:fillRect/>
+          </a:stretch>
+        </p:blipFill>
+        <p:spPr>
+          <a:xfrm>
+            <a:off x="348127" y="1881842"/>
+            <a:ext cx="4358822" cy="2426628"/>
+          </a:xfrm>
+          <a:prstGeom prst="rect">
+            <a:avLst/>
+          </a:prstGeom>
+        </p:spPr>
+      </p:pic>
+      <p:pic>
+        <p:nvPicPr>
+          <p:cNvPr id="6" name="Picture 5"/>
+          <p:cNvPicPr>
+            <a:picLocks noChangeAspect="1"/>
+          </p:cNvPicPr>
+          <p:nvPr/>
+        </p:nvPicPr>
+        <p:blipFill>
+          <a:blip r:embed="rId5">
+            <a:extLst>
+              <a:ext uri="{28A0092B-C50C-407E-A947-70E740481C1C}">
+                <a14:useLocalDpi xmlns:a14="http://schemas.microsoft.com/office/drawing/2010/main" val="0"/>
+              </a:ext>
+            </a:extLst>
+          </a:blip>
+          <a:stretch>
+            <a:fillRect/>
+          </a:stretch>
+        </p:blipFill>
+        <p:spPr>
+          <a:xfrm>
+            <a:off x="3147138" y="1744372"/>
+            <a:ext cx="1379277" cy="2128746"/>
+          </a:xfrm>
+          <a:prstGeom prst="rect">
+            <a:avLst/>
+          </a:prstGeom>
+        </p:spPr>
+      </p:pic>
+      <p:pic>
+        <p:nvPicPr>
+          <p:cNvPr id="7" name="Picture 6"/>
+          <p:cNvPicPr>
+            <a:picLocks noChangeAspect="1"/>
+          </p:cNvPicPr>
+          <p:nvPr/>
+        </p:nvPicPr>
+        <p:blipFill>
+          <a:blip r:embed="rId6">
+            <a:extLst>
+              <a:ext uri="{28A0092B-C50C-407E-A947-70E740481C1C}">
+                <a14:useLocalDpi xmlns:a14="http://schemas.microsoft.com/office/drawing/2010/main" val="0"/>
+              </a:ext>
+            </a:extLst>
+          </a:blip>
+          <a:stretch>
+            <a:fillRect/>
+          </a:stretch>
+        </p:blipFill>
+        <p:spPr>
+          <a:xfrm>
+            <a:off x="2269947" y="2405118"/>
+            <a:ext cx="5218060" cy="3684967"/>
+          </a:xfrm>
+          <a:prstGeom prst="rect">
+            <a:avLst/>
+          </a:prstGeom>
+        </p:spPr>
+      </p:pic>
+      <p:pic>
+        <p:nvPicPr>
+          <p:cNvPr id="12" name="Picture 11"/>
+          <p:cNvPicPr>
+            <a:picLocks noChangeAspect="1"/>
+          </p:cNvPicPr>
+          <p:nvPr/>
+        </p:nvPicPr>
+        <p:blipFill>
+          <a:blip r:embed="rId6">
+            <a:extLst>
+              <a:ext uri="{28A0092B-C50C-407E-A947-70E740481C1C}">
+                <a14:useLocalDpi xmlns:a14="http://schemas.microsoft.com/office/drawing/2010/main" val="0"/>
+              </a:ext>
+            </a:extLst>
+          </a:blip>
+          <a:stretch>
+            <a:fillRect/>
+          </a:stretch>
+        </p:blipFill>
+        <p:spPr>
+          <a:xfrm flipH="1">
+            <a:off x="-1195155" y="2588994"/>
+            <a:ext cx="4024895" cy="2768570"/>
+          </a:xfrm>
+          <a:prstGeom prst="rect">
+            <a:avLst/>
+          </a:prstGeom>
+        </p:spPr>
+      </p:pic>
+      <p:pic>
+        <p:nvPicPr>
+          <p:cNvPr id="13" name="Picture 12"/>
+          <p:cNvPicPr>
+            <a:picLocks noChangeAspect="1"/>
+          </p:cNvPicPr>
+          <p:nvPr/>
+        </p:nvPicPr>
+        <p:blipFill>
+          <a:blip r:embed="rId6">
+            <a:extLst>
+              <a:ext uri="{28A0092B-C50C-407E-A947-70E740481C1C}">
+                <a14:useLocalDpi xmlns:a14="http://schemas.microsoft.com/office/drawing/2010/main" val="0"/>
+              </a:ext>
+            </a:extLst>
+          </a:blip>
+          <a:stretch>
+            <a:fillRect/>
+          </a:stretch>
+        </p:blipFill>
+        <p:spPr>
+          <a:xfrm>
+            <a:off x="4712423" y="3037054"/>
+            <a:ext cx="3564005" cy="2516882"/>
+          </a:xfrm>
+          <a:prstGeom prst="rect">
+            <a:avLst/>
+          </a:prstGeom>
+        </p:spPr>
+      </p:pic>
     </p:spTree>
     <p:extLst>
       <p:ext uri="{BB962C8B-B14F-4D97-AF65-F5344CB8AC3E}">

--- a/Offline/Marketing/Sales/Sales Material/Flyers/AI-Flyer.pptx
+++ b/Offline/Marketing/Sales/Sales Material/Flyers/AI-Flyer.pptx
@@ -4,6 +4,9 @@
   <p:sldMasterIdLst>
     <p:sldMasterId id="2147483660" r:id="rId1"/>
   </p:sldMasterIdLst>
+  <p:notesMasterIdLst>
+    <p:notesMasterId r:id="rId3"/>
+  </p:notesMasterIdLst>
   <p:sldIdLst>
     <p:sldId id="256" r:id="rId2"/>
   </p:sldIdLst>
@@ -112,6 +115,440 @@
 </p:presentation>
 </file>
 
+<file path=ppt/notesMasters/notesMaster1.xml><?xml version="1.0" encoding="utf-8"?>
+<p:notesMaster xmlns:a="http://schemas.openxmlformats.org/drawingml/2006/main" xmlns:r="http://schemas.openxmlformats.org/officeDocument/2006/relationships" xmlns:p="http://schemas.openxmlformats.org/presentationml/2006/main">
+  <p:cSld>
+    <p:bg>
+      <p:bgRef idx="1001">
+        <a:schemeClr val="bg1"/>
+      </p:bgRef>
+    </p:bg>
+    <p:spTree>
+      <p:nvGrpSpPr>
+        <p:cNvPr id="1" name=""/>
+        <p:cNvGrpSpPr/>
+        <p:nvPr/>
+      </p:nvGrpSpPr>
+      <p:grpSpPr>
+        <a:xfrm>
+          <a:off x="0" y="0"/>
+          <a:ext cx="0" cy="0"/>
+          <a:chOff x="0" y="0"/>
+          <a:chExt cx="0" cy="0"/>
+        </a:xfrm>
+      </p:grpSpPr>
+      <p:sp>
+        <p:nvSpPr>
+          <p:cNvPr id="2" name="Header Placeholder 1"/>
+          <p:cNvSpPr>
+            <a:spLocks noGrp="1"/>
+          </p:cNvSpPr>
+          <p:nvPr>
+            <p:ph type="hdr" sz="quarter"/>
+          </p:nvPr>
+        </p:nvSpPr>
+        <p:spPr>
+          <a:xfrm>
+            <a:off x="0" y="0"/>
+            <a:ext cx="2971800" cy="458788"/>
+          </a:xfrm>
+          <a:prstGeom prst="rect">
+            <a:avLst/>
+          </a:prstGeom>
+        </p:spPr>
+        <p:txBody>
+          <a:bodyPr vert="horz" lIns="91440" tIns="45720" rIns="91440" bIns="45720" rtlCol="0"/>
+          <a:lstStyle>
+            <a:lvl1pPr algn="l">
+              <a:defRPr sz="1200"/>
+            </a:lvl1pPr>
+          </a:lstStyle>
+          <a:p>
+            <a:endParaRPr lang="en-AU"/>
+          </a:p>
+        </p:txBody>
+      </p:sp>
+      <p:sp>
+        <p:nvSpPr>
+          <p:cNvPr id="3" name="Date Placeholder 2"/>
+          <p:cNvSpPr>
+            <a:spLocks noGrp="1"/>
+          </p:cNvSpPr>
+          <p:nvPr>
+            <p:ph type="dt" idx="1"/>
+          </p:nvPr>
+        </p:nvSpPr>
+        <p:spPr>
+          <a:xfrm>
+            <a:off x="3884613" y="0"/>
+            <a:ext cx="2971800" cy="458788"/>
+          </a:xfrm>
+          <a:prstGeom prst="rect">
+            <a:avLst/>
+          </a:prstGeom>
+        </p:spPr>
+        <p:txBody>
+          <a:bodyPr vert="horz" lIns="91440" tIns="45720" rIns="91440" bIns="45720" rtlCol="0"/>
+          <a:lstStyle>
+            <a:lvl1pPr algn="r">
+              <a:defRPr sz="1200"/>
+            </a:lvl1pPr>
+          </a:lstStyle>
+          <a:p>
+            <a:fld id="{C7FF48C4-2825-4CCE-B607-2C682FC98F13}" type="datetimeFigureOut">
+              <a:rPr lang="en-AU" smtClean="0"/>
+              <a:t>5/07/2023</a:t>
+            </a:fld>
+            <a:endParaRPr lang="en-AU"/>
+          </a:p>
+        </p:txBody>
+      </p:sp>
+      <p:sp>
+        <p:nvSpPr>
+          <p:cNvPr id="4" name="Slide Image Placeholder 3"/>
+          <p:cNvSpPr>
+            <a:spLocks noGrp="1" noRot="1" noChangeAspect="1"/>
+          </p:cNvSpPr>
+          <p:nvPr>
+            <p:ph type="sldImg" idx="2"/>
+          </p:nvPr>
+        </p:nvSpPr>
+        <p:spPr>
+          <a:xfrm>
+            <a:off x="2360613" y="1143000"/>
+            <a:ext cx="2136775" cy="3086100"/>
+          </a:xfrm>
+          <a:prstGeom prst="rect">
+            <a:avLst/>
+          </a:prstGeom>
+          <a:noFill/>
+          <a:ln w="12700">
+            <a:solidFill>
+              <a:prstClr val="black"/>
+            </a:solidFill>
+          </a:ln>
+        </p:spPr>
+        <p:txBody>
+          <a:bodyPr vert="horz" lIns="91440" tIns="45720" rIns="91440" bIns="45720" rtlCol="0" anchor="ctr"/>
+          <a:lstStyle/>
+          <a:p>
+            <a:endParaRPr lang="en-AU"/>
+          </a:p>
+        </p:txBody>
+      </p:sp>
+      <p:sp>
+        <p:nvSpPr>
+          <p:cNvPr id="5" name="Notes Placeholder 4"/>
+          <p:cNvSpPr>
+            <a:spLocks noGrp="1"/>
+          </p:cNvSpPr>
+          <p:nvPr>
+            <p:ph type="body" sz="quarter" idx="3"/>
+          </p:nvPr>
+        </p:nvSpPr>
+        <p:spPr>
+          <a:xfrm>
+            <a:off x="685800" y="4400550"/>
+            <a:ext cx="5486400" cy="3600450"/>
+          </a:xfrm>
+          <a:prstGeom prst="rect">
+            <a:avLst/>
+          </a:prstGeom>
+        </p:spPr>
+        <p:txBody>
+          <a:bodyPr vert="horz" lIns="91440" tIns="45720" rIns="91440" bIns="45720" rtlCol="0"/>
+          <a:lstStyle/>
+          <a:p>
+            <a:pPr lvl="0"/>
+            <a:r>
+              <a:rPr lang="en-US" smtClean="0"/>
+              <a:t>Click to edit Master text styles</a:t>
+            </a:r>
+          </a:p>
+          <a:p>
+            <a:pPr lvl="1"/>
+            <a:r>
+              <a:rPr lang="en-US" smtClean="0"/>
+              <a:t>Second level</a:t>
+            </a:r>
+          </a:p>
+          <a:p>
+            <a:pPr lvl="2"/>
+            <a:r>
+              <a:rPr lang="en-US" smtClean="0"/>
+              <a:t>Third level</a:t>
+            </a:r>
+          </a:p>
+          <a:p>
+            <a:pPr lvl="3"/>
+            <a:r>
+              <a:rPr lang="en-US" smtClean="0"/>
+              <a:t>Fourth level</a:t>
+            </a:r>
+          </a:p>
+          <a:p>
+            <a:pPr lvl="4"/>
+            <a:r>
+              <a:rPr lang="en-US" smtClean="0"/>
+              <a:t>Fifth level</a:t>
+            </a:r>
+            <a:endParaRPr lang="en-AU"/>
+          </a:p>
+        </p:txBody>
+      </p:sp>
+      <p:sp>
+        <p:nvSpPr>
+          <p:cNvPr id="6" name="Footer Placeholder 5"/>
+          <p:cNvSpPr>
+            <a:spLocks noGrp="1"/>
+          </p:cNvSpPr>
+          <p:nvPr>
+            <p:ph type="ftr" sz="quarter" idx="4"/>
+          </p:nvPr>
+        </p:nvSpPr>
+        <p:spPr>
+          <a:xfrm>
+            <a:off x="0" y="8685213"/>
+            <a:ext cx="2971800" cy="458787"/>
+          </a:xfrm>
+          <a:prstGeom prst="rect">
+            <a:avLst/>
+          </a:prstGeom>
+        </p:spPr>
+        <p:txBody>
+          <a:bodyPr vert="horz" lIns="91440" tIns="45720" rIns="91440" bIns="45720" rtlCol="0" anchor="b"/>
+          <a:lstStyle>
+            <a:lvl1pPr algn="l">
+              <a:defRPr sz="1200"/>
+            </a:lvl1pPr>
+          </a:lstStyle>
+          <a:p>
+            <a:endParaRPr lang="en-AU"/>
+          </a:p>
+        </p:txBody>
+      </p:sp>
+      <p:sp>
+        <p:nvSpPr>
+          <p:cNvPr id="7" name="Slide Number Placeholder 6"/>
+          <p:cNvSpPr>
+            <a:spLocks noGrp="1"/>
+          </p:cNvSpPr>
+          <p:nvPr>
+            <p:ph type="sldNum" sz="quarter" idx="5"/>
+          </p:nvPr>
+        </p:nvSpPr>
+        <p:spPr>
+          <a:xfrm>
+            <a:off x="3884613" y="8685213"/>
+            <a:ext cx="2971800" cy="458787"/>
+          </a:xfrm>
+          <a:prstGeom prst="rect">
+            <a:avLst/>
+          </a:prstGeom>
+        </p:spPr>
+        <p:txBody>
+          <a:bodyPr vert="horz" lIns="91440" tIns="45720" rIns="91440" bIns="45720" rtlCol="0" anchor="b"/>
+          <a:lstStyle>
+            <a:lvl1pPr algn="r">
+              <a:defRPr sz="1200"/>
+            </a:lvl1pPr>
+          </a:lstStyle>
+          <a:p>
+            <a:fld id="{FAFD1E72-24A2-499A-84FA-D9B5636C30C2}" type="slidenum">
+              <a:rPr lang="en-AU" smtClean="0"/>
+              <a:t>‹#›</a:t>
+            </a:fld>
+            <a:endParaRPr lang="en-AU"/>
+          </a:p>
+        </p:txBody>
+      </p:sp>
+    </p:spTree>
+    <p:extLst>
+      <p:ext uri="{BB962C8B-B14F-4D97-AF65-F5344CB8AC3E}">
+        <p14:creationId xmlns:p14="http://schemas.microsoft.com/office/powerpoint/2010/main" val="1809572590"/>
+      </p:ext>
+    </p:extLst>
+  </p:cSld>
+  <p:clrMap bg1="lt1" tx1="dk1" bg2="lt2" tx2="dk2" accent1="accent1" accent2="accent2" accent3="accent3" accent4="accent4" accent5="accent5" accent6="accent6" hlink="hlink" folHlink="folHlink"/>
+  <p:notesStyle>
+    <a:lvl1pPr marL="0" algn="l" defTabSz="914400" rtl="0" eaLnBrk="1" latinLnBrk="0" hangingPunct="1">
+      <a:defRPr sz="1200" kern="1200">
+        <a:solidFill>
+          <a:schemeClr val="tx1"/>
+        </a:solidFill>
+        <a:latin typeface="+mn-lt"/>
+        <a:ea typeface="+mn-ea"/>
+        <a:cs typeface="+mn-cs"/>
+      </a:defRPr>
+    </a:lvl1pPr>
+    <a:lvl2pPr marL="457200" algn="l" defTabSz="914400" rtl="0" eaLnBrk="1" latinLnBrk="0" hangingPunct="1">
+      <a:defRPr sz="1200" kern="1200">
+        <a:solidFill>
+          <a:schemeClr val="tx1"/>
+        </a:solidFill>
+        <a:latin typeface="+mn-lt"/>
+        <a:ea typeface="+mn-ea"/>
+        <a:cs typeface="+mn-cs"/>
+      </a:defRPr>
+    </a:lvl2pPr>
+    <a:lvl3pPr marL="914400" algn="l" defTabSz="914400" rtl="0" eaLnBrk="1" latinLnBrk="0" hangingPunct="1">
+      <a:defRPr sz="1200" kern="1200">
+        <a:solidFill>
+          <a:schemeClr val="tx1"/>
+        </a:solidFill>
+        <a:latin typeface="+mn-lt"/>
+        <a:ea typeface="+mn-ea"/>
+        <a:cs typeface="+mn-cs"/>
+      </a:defRPr>
+    </a:lvl3pPr>
+    <a:lvl4pPr marL="1371600" algn="l" defTabSz="914400" rtl="0" eaLnBrk="1" latinLnBrk="0" hangingPunct="1">
+      <a:defRPr sz="1200" kern="1200">
+        <a:solidFill>
+          <a:schemeClr val="tx1"/>
+        </a:solidFill>
+        <a:latin typeface="+mn-lt"/>
+        <a:ea typeface="+mn-ea"/>
+        <a:cs typeface="+mn-cs"/>
+      </a:defRPr>
+    </a:lvl4pPr>
+    <a:lvl5pPr marL="1828800" algn="l" defTabSz="914400" rtl="0" eaLnBrk="1" latinLnBrk="0" hangingPunct="1">
+      <a:defRPr sz="1200" kern="1200">
+        <a:solidFill>
+          <a:schemeClr val="tx1"/>
+        </a:solidFill>
+        <a:latin typeface="+mn-lt"/>
+        <a:ea typeface="+mn-ea"/>
+        <a:cs typeface="+mn-cs"/>
+      </a:defRPr>
+    </a:lvl5pPr>
+    <a:lvl6pPr marL="2286000" algn="l" defTabSz="914400" rtl="0" eaLnBrk="1" latinLnBrk="0" hangingPunct="1">
+      <a:defRPr sz="1200" kern="1200">
+        <a:solidFill>
+          <a:schemeClr val="tx1"/>
+        </a:solidFill>
+        <a:latin typeface="+mn-lt"/>
+        <a:ea typeface="+mn-ea"/>
+        <a:cs typeface="+mn-cs"/>
+      </a:defRPr>
+    </a:lvl6pPr>
+    <a:lvl7pPr marL="2743200" algn="l" defTabSz="914400" rtl="0" eaLnBrk="1" latinLnBrk="0" hangingPunct="1">
+      <a:defRPr sz="1200" kern="1200">
+        <a:solidFill>
+          <a:schemeClr val="tx1"/>
+        </a:solidFill>
+        <a:latin typeface="+mn-lt"/>
+        <a:ea typeface="+mn-ea"/>
+        <a:cs typeface="+mn-cs"/>
+      </a:defRPr>
+    </a:lvl7pPr>
+    <a:lvl8pPr marL="3200400" algn="l" defTabSz="914400" rtl="0" eaLnBrk="1" latinLnBrk="0" hangingPunct="1">
+      <a:defRPr sz="1200" kern="1200">
+        <a:solidFill>
+          <a:schemeClr val="tx1"/>
+        </a:solidFill>
+        <a:latin typeface="+mn-lt"/>
+        <a:ea typeface="+mn-ea"/>
+        <a:cs typeface="+mn-cs"/>
+      </a:defRPr>
+    </a:lvl8pPr>
+    <a:lvl9pPr marL="3657600" algn="l" defTabSz="914400" rtl="0" eaLnBrk="1" latinLnBrk="0" hangingPunct="1">
+      <a:defRPr sz="1200" kern="1200">
+        <a:solidFill>
+          <a:schemeClr val="tx1"/>
+        </a:solidFill>
+        <a:latin typeface="+mn-lt"/>
+        <a:ea typeface="+mn-ea"/>
+        <a:cs typeface="+mn-cs"/>
+      </a:defRPr>
+    </a:lvl9pPr>
+  </p:notesStyle>
+</p:notesMaster>
+</file>
+
+<file path=ppt/notesSlides/notesSlide1.xml><?xml version="1.0" encoding="utf-8"?>
+<p:notes xmlns:a="http://schemas.openxmlformats.org/drawingml/2006/main" xmlns:r="http://schemas.openxmlformats.org/officeDocument/2006/relationships" xmlns:p="http://schemas.openxmlformats.org/presentationml/2006/main">
+  <p:cSld>
+    <p:spTree>
+      <p:nvGrpSpPr>
+        <p:cNvPr id="1" name=""/>
+        <p:cNvGrpSpPr/>
+        <p:nvPr/>
+      </p:nvGrpSpPr>
+      <p:grpSpPr>
+        <a:xfrm>
+          <a:off x="0" y="0"/>
+          <a:ext cx="0" cy="0"/>
+          <a:chOff x="0" y="0"/>
+          <a:chExt cx="0" cy="0"/>
+        </a:xfrm>
+      </p:grpSpPr>
+      <p:sp>
+        <p:nvSpPr>
+          <p:cNvPr id="2" name="Slide Image Placeholder 1"/>
+          <p:cNvSpPr>
+            <a:spLocks noGrp="1" noRot="1" noChangeAspect="1"/>
+          </p:cNvSpPr>
+          <p:nvPr>
+            <p:ph type="sldImg"/>
+          </p:nvPr>
+        </p:nvSpPr>
+        <p:spPr/>
+      </p:sp>
+      <p:sp>
+        <p:nvSpPr>
+          <p:cNvPr id="3" name="Notes Placeholder 2"/>
+          <p:cNvSpPr>
+            <a:spLocks noGrp="1"/>
+          </p:cNvSpPr>
+          <p:nvPr>
+            <p:ph type="body" idx="1"/>
+          </p:nvPr>
+        </p:nvSpPr>
+        <p:spPr/>
+        <p:txBody>
+          <a:bodyPr/>
+          <a:lstStyle/>
+          <a:p>
+            <a:endParaRPr lang="en-AU" dirty="0"/>
+          </a:p>
+        </p:txBody>
+      </p:sp>
+      <p:sp>
+        <p:nvSpPr>
+          <p:cNvPr id="4" name="Slide Number Placeholder 3"/>
+          <p:cNvSpPr>
+            <a:spLocks noGrp="1"/>
+          </p:cNvSpPr>
+          <p:nvPr>
+            <p:ph type="sldNum" sz="quarter" idx="10"/>
+          </p:nvPr>
+        </p:nvSpPr>
+        <p:spPr/>
+        <p:txBody>
+          <a:bodyPr/>
+          <a:lstStyle/>
+          <a:p>
+            <a:fld id="{FAFD1E72-24A2-499A-84FA-D9B5636C30C2}" type="slidenum">
+              <a:rPr lang="en-AU" smtClean="0"/>
+              <a:t>1</a:t>
+            </a:fld>
+            <a:endParaRPr lang="en-AU"/>
+          </a:p>
+        </p:txBody>
+      </p:sp>
+    </p:spTree>
+    <p:extLst>
+      <p:ext uri="{BB962C8B-B14F-4D97-AF65-F5344CB8AC3E}">
+        <p14:creationId xmlns:p14="http://schemas.microsoft.com/office/powerpoint/2010/main" val="3371891067"/>
+      </p:ext>
+    </p:extLst>
+  </p:cSld>
+  <p:clrMapOvr>
+    <a:masterClrMapping/>
+  </p:clrMapOvr>
+</p:notes>
+</file>
+
 <file path=ppt/slideLayouts/slideLayout1.xml><?xml version="1.0" encoding="utf-8"?>
 <p:sldLayout xmlns:a="http://schemas.openxmlformats.org/drawingml/2006/main" xmlns:r="http://schemas.openxmlformats.org/officeDocument/2006/relationships" xmlns:p="http://schemas.openxmlformats.org/presentationml/2006/main" type="title" preserve="1">
   <p:cSld name="Title Slide">
@@ -243,7 +680,7 @@
           <a:p>
             <a:fld id="{DF85CC7C-82E5-4B84-9C6A-800DA7308ED4}" type="datetimeFigureOut">
               <a:rPr lang="en-AU" smtClean="0"/>
-              <a:t>3/07/2023</a:t>
+              <a:t>5/07/2023</a:t>
             </a:fld>
             <a:endParaRPr lang="en-AU"/>
           </a:p>
@@ -413,7 +850,7 @@
           <a:p>
             <a:fld id="{DF85CC7C-82E5-4B84-9C6A-800DA7308ED4}" type="datetimeFigureOut">
               <a:rPr lang="en-AU" smtClean="0"/>
-              <a:t>3/07/2023</a:t>
+              <a:t>5/07/2023</a:t>
             </a:fld>
             <a:endParaRPr lang="en-AU"/>
           </a:p>
@@ -593,7 +1030,7 @@
           <a:p>
             <a:fld id="{DF85CC7C-82E5-4B84-9C6A-800DA7308ED4}" type="datetimeFigureOut">
               <a:rPr lang="en-AU" smtClean="0"/>
-              <a:t>3/07/2023</a:t>
+              <a:t>5/07/2023</a:t>
             </a:fld>
             <a:endParaRPr lang="en-AU"/>
           </a:p>
@@ -763,7 +1200,7 @@
           <a:p>
             <a:fld id="{DF85CC7C-82E5-4B84-9C6A-800DA7308ED4}" type="datetimeFigureOut">
               <a:rPr lang="en-AU" smtClean="0"/>
-              <a:t>3/07/2023</a:t>
+              <a:t>5/07/2023</a:t>
             </a:fld>
             <a:endParaRPr lang="en-AU"/>
           </a:p>
@@ -1007,7 +1444,7 @@
           <a:p>
             <a:fld id="{DF85CC7C-82E5-4B84-9C6A-800DA7308ED4}" type="datetimeFigureOut">
               <a:rPr lang="en-AU" smtClean="0"/>
-              <a:t>3/07/2023</a:t>
+              <a:t>5/07/2023</a:t>
             </a:fld>
             <a:endParaRPr lang="en-AU"/>
           </a:p>
@@ -1239,7 +1676,7 @@
           <a:p>
             <a:fld id="{DF85CC7C-82E5-4B84-9C6A-800DA7308ED4}" type="datetimeFigureOut">
               <a:rPr lang="en-AU" smtClean="0"/>
-              <a:t>3/07/2023</a:t>
+              <a:t>5/07/2023</a:t>
             </a:fld>
             <a:endParaRPr lang="en-AU"/>
           </a:p>
@@ -1606,7 +2043,7 @@
           <a:p>
             <a:fld id="{DF85CC7C-82E5-4B84-9C6A-800DA7308ED4}" type="datetimeFigureOut">
               <a:rPr lang="en-AU" smtClean="0"/>
-              <a:t>3/07/2023</a:t>
+              <a:t>5/07/2023</a:t>
             </a:fld>
             <a:endParaRPr lang="en-AU"/>
           </a:p>
@@ -1724,7 +2161,7 @@
           <a:p>
             <a:fld id="{DF85CC7C-82E5-4B84-9C6A-800DA7308ED4}" type="datetimeFigureOut">
               <a:rPr lang="en-AU" smtClean="0"/>
-              <a:t>3/07/2023</a:t>
+              <a:t>5/07/2023</a:t>
             </a:fld>
             <a:endParaRPr lang="en-AU"/>
           </a:p>
@@ -1819,7 +2256,7 @@
           <a:p>
             <a:fld id="{DF85CC7C-82E5-4B84-9C6A-800DA7308ED4}" type="datetimeFigureOut">
               <a:rPr lang="en-AU" smtClean="0"/>
-              <a:t>3/07/2023</a:t>
+              <a:t>5/07/2023</a:t>
             </a:fld>
             <a:endParaRPr lang="en-AU"/>
           </a:p>
@@ -2096,7 +2533,7 @@
           <a:p>
             <a:fld id="{DF85CC7C-82E5-4B84-9C6A-800DA7308ED4}" type="datetimeFigureOut">
               <a:rPr lang="en-AU" smtClean="0"/>
-              <a:t>3/07/2023</a:t>
+              <a:t>5/07/2023</a:t>
             </a:fld>
             <a:endParaRPr lang="en-AU"/>
           </a:p>
@@ -2353,7 +2790,7 @@
           <a:p>
             <a:fld id="{DF85CC7C-82E5-4B84-9C6A-800DA7308ED4}" type="datetimeFigureOut">
               <a:rPr lang="en-AU" smtClean="0"/>
-              <a:t>3/07/2023</a:t>
+              <a:t>5/07/2023</a:t>
             </a:fld>
             <a:endParaRPr lang="en-AU"/>
           </a:p>
@@ -2566,7 +3003,7 @@
           <a:p>
             <a:fld id="{DF85CC7C-82E5-4B84-9C6A-800DA7308ED4}" type="datetimeFigureOut">
               <a:rPr lang="en-AU" smtClean="0"/>
-              <a:t>3/07/2023</a:t>
+              <a:t>5/07/2023</a:t>
             </a:fld>
             <a:endParaRPr lang="en-AU"/>
           </a:p>
@@ -2973,13 +3410,376 @@
       </p:grpSpPr>
       <p:sp>
         <p:nvSpPr>
+          <p:cNvPr id="15" name="Rectangle 14"/>
+          <p:cNvSpPr/>
+          <p:nvPr/>
+        </p:nvSpPr>
+        <p:spPr>
+          <a:xfrm rot="10800000">
+            <a:off x="-2495" y="1076521"/>
+            <a:ext cx="6858000" cy="5294246"/>
+          </a:xfrm>
+          <a:prstGeom prst="rect">
+            <a:avLst/>
+          </a:prstGeom>
+          <a:gradFill>
+            <a:gsLst>
+              <a:gs pos="0">
+                <a:schemeClr val="accent1">
+                  <a:lumMod val="5000"/>
+                  <a:lumOff val="95000"/>
+                  <a:alpha val="0"/>
+                </a:schemeClr>
+              </a:gs>
+              <a:gs pos="61000">
+                <a:srgbClr val="002060">
+                  <a:alpha val="53000"/>
+                </a:srgbClr>
+              </a:gs>
+              <a:gs pos="40260">
+                <a:srgbClr val="546A95">
+                  <a:alpha val="0"/>
+                </a:srgbClr>
+              </a:gs>
+              <a:gs pos="72000">
+                <a:srgbClr val="002060"/>
+              </a:gs>
+              <a:gs pos="100000">
+                <a:schemeClr val="accent1">
+                  <a:lumMod val="45000"/>
+                  <a:lumOff val="55000"/>
+                </a:schemeClr>
+              </a:gs>
+              <a:gs pos="99000">
+                <a:schemeClr val="tx1"/>
+              </a:gs>
+            </a:gsLst>
+            <a:lin ang="5400000" scaled="1"/>
+          </a:gradFill>
+          <a:ln>
+            <a:noFill/>
+          </a:ln>
+        </p:spPr>
+        <p:style>
+          <a:lnRef idx="2">
+            <a:schemeClr val="accent1">
+              <a:shade val="50000"/>
+            </a:schemeClr>
+          </a:lnRef>
+          <a:fillRef idx="1">
+            <a:schemeClr val="accent1"/>
+          </a:fillRef>
+          <a:effectRef idx="0">
+            <a:schemeClr val="accent1"/>
+          </a:effectRef>
+          <a:fontRef idx="minor">
+            <a:schemeClr val="lt1"/>
+          </a:fontRef>
+        </p:style>
+        <p:txBody>
+          <a:bodyPr rtlCol="0" anchor="ctr"/>
+          <a:lstStyle/>
+          <a:p>
+            <a:pPr algn="ctr"/>
+            <a:endParaRPr lang="en-AU"/>
+          </a:p>
+        </p:txBody>
+      </p:sp>
+      <p:pic>
+        <p:nvPicPr>
+          <p:cNvPr id="8" name="Picture 7"/>
+          <p:cNvPicPr>
+            <a:picLocks noChangeAspect="1"/>
+          </p:cNvPicPr>
+          <p:nvPr/>
+        </p:nvPicPr>
+        <p:blipFill>
+          <a:blip r:embed="rId3" cstate="print">
+            <a:extLst>
+              <a:ext uri="{28A0092B-C50C-407E-A947-70E740481C1C}">
+                <a14:useLocalDpi xmlns:a14="http://schemas.microsoft.com/office/drawing/2010/main" val="0"/>
+              </a:ext>
+            </a:extLst>
+          </a:blip>
+          <a:stretch>
+            <a:fillRect/>
+          </a:stretch>
+        </p:blipFill>
+        <p:spPr>
+          <a:xfrm>
+            <a:off x="1156130" y="1763962"/>
+            <a:ext cx="3274849" cy="1823162"/>
+          </a:xfrm>
+          <a:prstGeom prst="rect">
+            <a:avLst/>
+          </a:prstGeom>
+        </p:spPr>
+      </p:pic>
+      <p:pic>
+        <p:nvPicPr>
+          <p:cNvPr id="9" name="Picture 8"/>
+          <p:cNvPicPr>
+            <a:picLocks noChangeAspect="1"/>
+          </p:cNvPicPr>
+          <p:nvPr/>
+        </p:nvPicPr>
+        <p:blipFill>
+          <a:blip r:embed="rId4" cstate="print">
+            <a:extLst>
+              <a:ext uri="{28A0092B-C50C-407E-A947-70E740481C1C}">
+                <a14:useLocalDpi xmlns:a14="http://schemas.microsoft.com/office/drawing/2010/main" val="0"/>
+              </a:ext>
+            </a:extLst>
+          </a:blip>
+          <a:stretch>
+            <a:fillRect/>
+          </a:stretch>
+        </p:blipFill>
+        <p:spPr>
+          <a:xfrm flipH="1">
+            <a:off x="3024952" y="1756212"/>
+            <a:ext cx="3297710" cy="2005478"/>
+          </a:xfrm>
+          <a:prstGeom prst="rect">
+            <a:avLst/>
+          </a:prstGeom>
+        </p:spPr>
+      </p:pic>
+      <p:pic>
+        <p:nvPicPr>
+          <p:cNvPr id="11" name="Picture 10"/>
+          <p:cNvPicPr>
+            <a:picLocks noChangeAspect="1"/>
+          </p:cNvPicPr>
+          <p:nvPr/>
+        </p:nvPicPr>
+        <p:blipFill>
+          <a:blip r:embed="rId5">
+            <a:extLst>
+              <a:ext uri="{28A0092B-C50C-407E-A947-70E740481C1C}">
+                <a14:useLocalDpi xmlns:a14="http://schemas.microsoft.com/office/drawing/2010/main" val="0"/>
+              </a:ext>
+            </a:extLst>
+          </a:blip>
+          <a:stretch>
+            <a:fillRect/>
+          </a:stretch>
+        </p:blipFill>
+        <p:spPr>
+          <a:xfrm>
+            <a:off x="2716572" y="2017771"/>
+            <a:ext cx="1696834" cy="3039728"/>
+          </a:xfrm>
+          <a:prstGeom prst="rect">
+            <a:avLst/>
+          </a:prstGeom>
+        </p:spPr>
+      </p:pic>
+      <p:pic>
+        <p:nvPicPr>
+          <p:cNvPr id="5" name="Picture 4"/>
+          <p:cNvPicPr>
+            <a:picLocks noChangeAspect="1"/>
+          </p:cNvPicPr>
+          <p:nvPr/>
+        </p:nvPicPr>
+        <p:blipFill>
+          <a:blip r:embed="rId3">
+            <a:extLst>
+              <a:ext uri="{28A0092B-C50C-407E-A947-70E740481C1C}">
+                <a14:useLocalDpi xmlns:a14="http://schemas.microsoft.com/office/drawing/2010/main" val="0"/>
+              </a:ext>
+            </a:extLst>
+          </a:blip>
+          <a:stretch>
+            <a:fillRect/>
+          </a:stretch>
+        </p:blipFill>
+        <p:spPr>
+          <a:xfrm flipH="1">
+            <a:off x="3501583" y="2497080"/>
+            <a:ext cx="3990227" cy="2426628"/>
+          </a:xfrm>
+          <a:prstGeom prst="rect">
+            <a:avLst/>
+          </a:prstGeom>
+        </p:spPr>
+      </p:pic>
+      <p:pic>
+        <p:nvPicPr>
+          <p:cNvPr id="3" name="Picture 2"/>
+          <p:cNvPicPr>
+            <a:picLocks noChangeAspect="1"/>
+          </p:cNvPicPr>
+          <p:nvPr/>
+        </p:nvPicPr>
+        <p:blipFill>
+          <a:blip r:embed="rId3">
+            <a:extLst>
+              <a:ext uri="{28A0092B-C50C-407E-A947-70E740481C1C}">
+                <a14:useLocalDpi xmlns:a14="http://schemas.microsoft.com/office/drawing/2010/main" val="0"/>
+              </a:ext>
+            </a:extLst>
+          </a:blip>
+          <a:stretch>
+            <a:fillRect/>
+          </a:stretch>
+        </p:blipFill>
+        <p:spPr>
+          <a:xfrm>
+            <a:off x="-383774" y="2328827"/>
+            <a:ext cx="4358822" cy="2426628"/>
+          </a:xfrm>
+          <a:prstGeom prst="rect">
+            <a:avLst/>
+          </a:prstGeom>
+        </p:spPr>
+      </p:pic>
+      <p:pic>
+        <p:nvPicPr>
+          <p:cNvPr id="7" name="Picture 6"/>
+          <p:cNvPicPr>
+            <a:picLocks noChangeAspect="1"/>
+          </p:cNvPicPr>
+          <p:nvPr/>
+        </p:nvPicPr>
+        <p:blipFill>
+          <a:blip r:embed="rId6">
+            <a:extLst>
+              <a:ext uri="{28A0092B-C50C-407E-A947-70E740481C1C}">
+                <a14:useLocalDpi xmlns:a14="http://schemas.microsoft.com/office/drawing/2010/main" val="0"/>
+              </a:ext>
+            </a:extLst>
+          </a:blip>
+          <a:stretch>
+            <a:fillRect/>
+          </a:stretch>
+        </p:blipFill>
+        <p:spPr>
+          <a:xfrm>
+            <a:off x="2521621" y="2390682"/>
+            <a:ext cx="5218060" cy="3684967"/>
+          </a:xfrm>
+          <a:prstGeom prst="rect">
+            <a:avLst/>
+          </a:prstGeom>
+        </p:spPr>
+      </p:pic>
+      <p:pic>
+        <p:nvPicPr>
+          <p:cNvPr id="12" name="Picture 11"/>
+          <p:cNvPicPr>
+            <a:picLocks noChangeAspect="1"/>
+          </p:cNvPicPr>
+          <p:nvPr/>
+        </p:nvPicPr>
+        <p:blipFill>
+          <a:blip r:embed="rId6">
+            <a:extLst>
+              <a:ext uri="{28A0092B-C50C-407E-A947-70E740481C1C}">
+                <a14:useLocalDpi xmlns:a14="http://schemas.microsoft.com/office/drawing/2010/main" val="0"/>
+              </a:ext>
+            </a:extLst>
+          </a:blip>
+          <a:stretch>
+            <a:fillRect/>
+          </a:stretch>
+        </p:blipFill>
+        <p:spPr>
+          <a:xfrm flipH="1">
+            <a:off x="-943481" y="2624433"/>
+            <a:ext cx="4024895" cy="2768570"/>
+          </a:xfrm>
+          <a:prstGeom prst="rect">
+            <a:avLst/>
+          </a:prstGeom>
+        </p:spPr>
+      </p:pic>
+      <p:pic>
+        <p:nvPicPr>
+          <p:cNvPr id="13" name="Picture 12"/>
+          <p:cNvPicPr>
+            <a:picLocks noChangeAspect="1"/>
+          </p:cNvPicPr>
+          <p:nvPr/>
+        </p:nvPicPr>
+        <p:blipFill>
+          <a:blip r:embed="rId6">
+            <a:extLst>
+              <a:ext uri="{28A0092B-C50C-407E-A947-70E740481C1C}">
+                <a14:useLocalDpi xmlns:a14="http://schemas.microsoft.com/office/drawing/2010/main" val="0"/>
+              </a:ext>
+            </a:extLst>
+          </a:blip>
+          <a:stretch>
+            <a:fillRect/>
+          </a:stretch>
+        </p:blipFill>
+        <p:spPr>
+          <a:xfrm>
+            <a:off x="3602889" y="3853886"/>
+            <a:ext cx="3564005" cy="2516882"/>
+          </a:xfrm>
+          <a:prstGeom prst="rect">
+            <a:avLst/>
+          </a:prstGeom>
+        </p:spPr>
+      </p:pic>
+      <p:sp>
+        <p:nvSpPr>
+          <p:cNvPr id="2" name="Rectangle 1"/>
+          <p:cNvSpPr/>
+          <p:nvPr/>
+        </p:nvSpPr>
+        <p:spPr>
+          <a:xfrm>
+            <a:off x="3571" y="5324078"/>
+            <a:ext cx="6848928" cy="1226116"/>
+          </a:xfrm>
+          <a:prstGeom prst="rect">
+            <a:avLst/>
+          </a:prstGeom>
+          <a:solidFill>
+            <a:schemeClr val="tx1"/>
+          </a:solidFill>
+          <a:ln>
+            <a:noFill/>
+          </a:ln>
+        </p:spPr>
+        <p:style>
+          <a:lnRef idx="2">
+            <a:schemeClr val="accent1">
+              <a:shade val="50000"/>
+            </a:schemeClr>
+          </a:lnRef>
+          <a:fillRef idx="1">
+            <a:schemeClr val="accent1"/>
+          </a:fillRef>
+          <a:effectRef idx="0">
+            <a:schemeClr val="accent1"/>
+          </a:effectRef>
+          <a:fontRef idx="minor">
+            <a:schemeClr val="lt1"/>
+          </a:fontRef>
+        </p:style>
+        <p:txBody>
+          <a:bodyPr rtlCol="0" anchor="ctr"/>
+          <a:lstStyle/>
+          <a:p>
+            <a:pPr algn="ctr"/>
+            <a:endParaRPr lang="en-AU"/>
+          </a:p>
+        </p:txBody>
+      </p:sp>
+      <p:sp>
+        <p:nvSpPr>
           <p:cNvPr id="10" name="Rectangle 9"/>
           <p:cNvSpPr/>
           <p:nvPr/>
         </p:nvSpPr>
         <p:spPr>
           <a:xfrm>
-            <a:off x="19691" y="0"/>
+            <a:off x="-2495" y="1143197"/>
             <a:ext cx="6858000" cy="5462678"/>
           </a:xfrm>
           <a:prstGeom prst="rect">
@@ -3048,16 +3848,1237 @@
           </a:p>
         </p:txBody>
       </p:sp>
+      <p:sp>
+        <p:nvSpPr>
+          <p:cNvPr id="14" name="Rectangle 13"/>
+          <p:cNvSpPr/>
+          <p:nvPr/>
+        </p:nvSpPr>
+        <p:spPr>
+          <a:xfrm>
+            <a:off x="0" y="0"/>
+            <a:ext cx="6858000" cy="1143197"/>
+          </a:xfrm>
+          <a:prstGeom prst="rect">
+            <a:avLst/>
+          </a:prstGeom>
+          <a:solidFill>
+            <a:schemeClr val="tx1"/>
+          </a:solidFill>
+          <a:ln>
+            <a:noFill/>
+          </a:ln>
+        </p:spPr>
+        <p:style>
+          <a:lnRef idx="2">
+            <a:schemeClr val="accent1">
+              <a:shade val="50000"/>
+            </a:schemeClr>
+          </a:lnRef>
+          <a:fillRef idx="1">
+            <a:schemeClr val="accent1"/>
+          </a:fillRef>
+          <a:effectRef idx="0">
+            <a:schemeClr val="accent1"/>
+          </a:effectRef>
+          <a:fontRef idx="minor">
+            <a:schemeClr val="lt1"/>
+          </a:fontRef>
+        </p:style>
+        <p:txBody>
+          <a:bodyPr rtlCol="0" anchor="ctr"/>
+          <a:lstStyle/>
+          <a:p>
+            <a:pPr algn="ctr"/>
+            <a:endParaRPr lang="en-AU"/>
+          </a:p>
+        </p:txBody>
+      </p:sp>
+      <p:sp>
+        <p:nvSpPr>
+          <p:cNvPr id="17" name="Rectangle 16"/>
+          <p:cNvSpPr/>
+          <p:nvPr/>
+        </p:nvSpPr>
+        <p:spPr>
+          <a:xfrm>
+            <a:off x="4024" y="6510685"/>
+            <a:ext cx="6858000" cy="3395316"/>
+          </a:xfrm>
+          <a:prstGeom prst="rect">
+            <a:avLst/>
+          </a:prstGeom>
+          <a:solidFill>
+            <a:schemeClr val="tx1"/>
+          </a:solidFill>
+          <a:ln>
+            <a:noFill/>
+          </a:ln>
+        </p:spPr>
+        <p:style>
+          <a:lnRef idx="2">
+            <a:schemeClr val="accent1">
+              <a:shade val="50000"/>
+            </a:schemeClr>
+          </a:lnRef>
+          <a:fillRef idx="1">
+            <a:schemeClr val="accent1"/>
+          </a:fillRef>
+          <a:effectRef idx="0">
+            <a:schemeClr val="accent1"/>
+          </a:effectRef>
+          <a:fontRef idx="minor">
+            <a:schemeClr val="lt1"/>
+          </a:fontRef>
+        </p:style>
+        <p:txBody>
+          <a:bodyPr rtlCol="0" anchor="ctr"/>
+          <a:lstStyle/>
+          <a:p>
+            <a:pPr algn="ctr"/>
+            <a:endParaRPr lang="en-AU"/>
+          </a:p>
+        </p:txBody>
+      </p:sp>
+      <p:sp>
+        <p:nvSpPr>
+          <p:cNvPr id="18" name="TextBox 17"/>
+          <p:cNvSpPr txBox="1"/>
+          <p:nvPr/>
+        </p:nvSpPr>
+        <p:spPr>
+          <a:xfrm>
+            <a:off x="-3079" y="307992"/>
+            <a:ext cx="6856924" cy="1323439"/>
+          </a:xfrm>
+          <a:prstGeom prst="rect">
+            <a:avLst/>
+          </a:prstGeom>
+          <a:noFill/>
+        </p:spPr>
+        <p:txBody>
+          <a:bodyPr wrap="square" rtlCol="0">
+            <a:spAutoFit/>
+          </a:bodyPr>
+          <a:lstStyle/>
+          <a:p>
+            <a:pPr algn="ctr"/>
+            <a:r>
+              <a:rPr lang="en-US" sz="4800" b="1" cap="small" dirty="0" smtClean="0">
+                <a:ln w="6600">
+                  <a:solidFill>
+                    <a:srgbClr val="00FF00"/>
+                  </a:solidFill>
+                  <a:prstDash val="solid"/>
+                </a:ln>
+                <a:solidFill>
+                  <a:schemeClr val="bg1"/>
+                </a:solidFill>
+                <a:effectLst>
+                  <a:glow rad="139700">
+                    <a:schemeClr val="accent6">
+                      <a:satMod val="175000"/>
+                      <a:alpha val="40000"/>
+                    </a:schemeClr>
+                  </a:glow>
+                  <a:outerShdw blurRad="75057" dist="38100" dir="5400000" sy="-20000" rotWithShape="0">
+                    <a:prstClr val="black">
+                      <a:alpha val="25000"/>
+                    </a:prstClr>
+                  </a:outerShdw>
+                </a:effectLst>
+                <a:latin typeface="Oxygen" panose="02000503000000000000" pitchFamily="2" charset="0"/>
+              </a:rPr>
+              <a:t>Artificial Intelligence </a:t>
+            </a:r>
+            <a:r>
+              <a:rPr lang="en-US" sz="2400" dirty="0" smtClean="0">
+                <a:ln w="6600">
+                  <a:solidFill>
+                    <a:srgbClr val="00FF00"/>
+                  </a:solidFill>
+                  <a:prstDash val="solid"/>
+                </a:ln>
+                <a:solidFill>
+                  <a:schemeClr val="bg1"/>
+                </a:solidFill>
+                <a:effectLst>
+                  <a:glow rad="139700">
+                    <a:schemeClr val="accent6">
+                      <a:satMod val="175000"/>
+                      <a:alpha val="40000"/>
+                    </a:schemeClr>
+                  </a:glow>
+                  <a:outerShdw blurRad="75057" dist="38100" dir="5400000" sy="-20000" rotWithShape="0">
+                    <a:prstClr val="black">
+                      <a:alpha val="25000"/>
+                    </a:prstClr>
+                  </a:outerShdw>
+                </a:effectLst>
+                <a:latin typeface="Oxygen" panose="02000503000000000000" pitchFamily="2" charset="0"/>
+              </a:rPr>
+              <a:t>Time for </a:t>
+            </a:r>
+            <a:r>
+              <a:rPr lang="en-US" sz="3200" b="1" cap="small" dirty="0" smtClean="0">
+                <a:ln w="6600">
+                  <a:solidFill>
+                    <a:srgbClr val="00FF00"/>
+                  </a:solidFill>
+                  <a:prstDash val="solid"/>
+                </a:ln>
+                <a:solidFill>
+                  <a:schemeClr val="bg1"/>
+                </a:solidFill>
+                <a:effectLst>
+                  <a:glow rad="139700">
+                    <a:schemeClr val="accent6">
+                      <a:satMod val="175000"/>
+                      <a:alpha val="40000"/>
+                    </a:schemeClr>
+                  </a:glow>
+                  <a:outerShdw blurRad="75057" dist="38100" dir="5400000" sy="-20000" rotWithShape="0">
+                    <a:prstClr val="black">
+                      <a:alpha val="25000"/>
+                    </a:prstClr>
+                  </a:outerShdw>
+                </a:effectLst>
+                <a:latin typeface="Oxygen" panose="02000503000000000000" pitchFamily="2" charset="0"/>
+              </a:rPr>
+              <a:t>Your Child </a:t>
+            </a:r>
+            <a:r>
+              <a:rPr lang="en-US" sz="2400" dirty="0" smtClean="0">
+                <a:ln w="6600">
+                  <a:solidFill>
+                    <a:srgbClr val="00FF00"/>
+                  </a:solidFill>
+                  <a:prstDash val="solid"/>
+                </a:ln>
+                <a:solidFill>
+                  <a:schemeClr val="bg1"/>
+                </a:solidFill>
+                <a:effectLst>
+                  <a:glow rad="139700">
+                    <a:schemeClr val="accent6">
+                      <a:satMod val="175000"/>
+                      <a:alpha val="40000"/>
+                    </a:schemeClr>
+                  </a:glow>
+                  <a:outerShdw blurRad="75057" dist="38100" dir="5400000" sy="-20000" rotWithShape="0">
+                    <a:prstClr val="black">
+                      <a:alpha val="25000"/>
+                    </a:prstClr>
+                  </a:outerShdw>
+                </a:effectLst>
+                <a:latin typeface="Oxygen" panose="02000503000000000000" pitchFamily="2" charset="0"/>
+              </a:rPr>
+              <a:t>to join </a:t>
+            </a:r>
+            <a:r>
+              <a:rPr lang="en-US" sz="3200" b="1" cap="small" dirty="0">
+                <a:ln w="6600">
+                  <a:solidFill>
+                    <a:srgbClr val="00FF00"/>
+                  </a:solidFill>
+                  <a:prstDash val="solid"/>
+                </a:ln>
+                <a:solidFill>
+                  <a:schemeClr val="bg1"/>
+                </a:solidFill>
+                <a:effectLst>
+                  <a:glow rad="139700">
+                    <a:schemeClr val="accent6">
+                      <a:satMod val="175000"/>
+                      <a:alpha val="40000"/>
+                    </a:schemeClr>
+                  </a:glow>
+                  <a:outerShdw blurRad="75057" dist="38100" dir="5400000" sy="-20000" rotWithShape="0">
+                    <a:prstClr val="black">
+                      <a:alpha val="25000"/>
+                    </a:prstClr>
+                  </a:outerShdw>
+                </a:effectLst>
+                <a:latin typeface="Oxygen" panose="02000503000000000000" pitchFamily="2" charset="0"/>
+              </a:rPr>
+              <a:t>the </a:t>
+            </a:r>
+            <a:r>
+              <a:rPr lang="en-US" sz="3200" b="1" cap="small" dirty="0" smtClean="0">
+                <a:ln w="6600">
+                  <a:solidFill>
+                    <a:srgbClr val="00FF00"/>
+                  </a:solidFill>
+                  <a:prstDash val="solid"/>
+                </a:ln>
+                <a:solidFill>
+                  <a:schemeClr val="bg1"/>
+                </a:solidFill>
+                <a:effectLst>
+                  <a:glow rad="139700">
+                    <a:schemeClr val="accent6">
+                      <a:satMod val="175000"/>
+                      <a:alpha val="40000"/>
+                    </a:schemeClr>
+                  </a:glow>
+                  <a:outerShdw blurRad="75057" dist="38100" dir="5400000" sy="-20000" rotWithShape="0">
+                    <a:prstClr val="black">
+                      <a:alpha val="25000"/>
+                    </a:prstClr>
+                  </a:outerShdw>
+                </a:effectLst>
+                <a:latin typeface="Oxygen" panose="02000503000000000000" pitchFamily="2" charset="0"/>
+              </a:rPr>
+              <a:t>Party</a:t>
+            </a:r>
+            <a:endParaRPr lang="en-AU" sz="3200" b="1" cap="small" dirty="0">
+              <a:ln w="6600">
+                <a:solidFill>
+                  <a:srgbClr val="00FF00"/>
+                </a:solidFill>
+                <a:prstDash val="solid"/>
+              </a:ln>
+              <a:solidFill>
+                <a:schemeClr val="bg1"/>
+              </a:solidFill>
+              <a:effectLst>
+                <a:glow rad="139700">
+                  <a:schemeClr val="accent6">
+                    <a:satMod val="175000"/>
+                    <a:alpha val="40000"/>
+                  </a:schemeClr>
+                </a:glow>
+                <a:outerShdw blurRad="75057" dist="38100" dir="5400000" sy="-20000" rotWithShape="0">
+                  <a:prstClr val="black">
+                    <a:alpha val="25000"/>
+                  </a:prstClr>
+                </a:outerShdw>
+              </a:effectLst>
+              <a:latin typeface="Oxygen" panose="02000503000000000000" pitchFamily="2" charset="0"/>
+            </a:endParaRPr>
+          </a:p>
+        </p:txBody>
+      </p:sp>
+      <p:sp>
+        <p:nvSpPr>
+          <p:cNvPr id="20" name="TextBox 19"/>
+          <p:cNvSpPr txBox="1"/>
+          <p:nvPr/>
+        </p:nvSpPr>
+        <p:spPr>
+          <a:xfrm>
+            <a:off x="4024" y="4619625"/>
+            <a:ext cx="6857547" cy="3108543"/>
+          </a:xfrm>
+          <a:prstGeom prst="rect">
+            <a:avLst/>
+          </a:prstGeom>
+          <a:noFill/>
+        </p:spPr>
+        <p:txBody>
+          <a:bodyPr wrap="square" rtlCol="0">
+            <a:spAutoFit/>
+          </a:bodyPr>
+          <a:lstStyle/>
+          <a:p>
+            <a:pPr algn="ctr">
+              <a:lnSpc>
+                <a:spcPct val="150000"/>
+              </a:lnSpc>
+            </a:pPr>
+            <a:r>
+              <a:rPr lang="en-US" sz="1100" b="1" dirty="0">
+                <a:solidFill>
+                  <a:srgbClr val="FFC000"/>
+                </a:solidFill>
+                <a:latin typeface="Oxygen" panose="02000503000000000000" pitchFamily="2" charset="0"/>
+              </a:rPr>
+              <a:t>70% of </a:t>
+            </a:r>
+            <a:r>
+              <a:rPr lang="en-US" sz="1400" b="1" dirty="0">
+                <a:solidFill>
+                  <a:srgbClr val="FFC000"/>
+                </a:solidFill>
+                <a:latin typeface="Oxygen" panose="02000503000000000000" pitchFamily="2" charset="0"/>
+              </a:rPr>
+              <a:t>t</a:t>
+            </a:r>
+            <a:r>
+              <a:rPr lang="en-US" sz="1400" b="1" dirty="0" smtClean="0">
+                <a:solidFill>
+                  <a:srgbClr val="FFC000"/>
+                </a:solidFill>
+                <a:latin typeface="Oxygen" panose="02000503000000000000" pitchFamily="2" charset="0"/>
+              </a:rPr>
+              <a:t>oday's professions </a:t>
+            </a:r>
+            <a:r>
+              <a:rPr lang="en-US" sz="1100" b="1" dirty="0">
+                <a:solidFill>
+                  <a:srgbClr val="FFC000"/>
+                </a:solidFill>
+                <a:latin typeface="Oxygen" panose="02000503000000000000" pitchFamily="2" charset="0"/>
+              </a:rPr>
+              <a:t>w</a:t>
+            </a:r>
+            <a:r>
+              <a:rPr lang="en-US" sz="1100" b="1" dirty="0" smtClean="0">
+                <a:solidFill>
+                  <a:srgbClr val="FFC000"/>
+                </a:solidFill>
+                <a:latin typeface="Oxygen" panose="02000503000000000000" pitchFamily="2" charset="0"/>
+              </a:rPr>
+              <a:t>ill </a:t>
+            </a:r>
+            <a:r>
+              <a:rPr lang="en-US" sz="1400" b="1" dirty="0" smtClean="0">
+                <a:solidFill>
+                  <a:srgbClr val="FFC000"/>
+                </a:solidFill>
+                <a:latin typeface="Oxygen" panose="02000503000000000000" pitchFamily="2" charset="0"/>
+              </a:rPr>
+              <a:t>succumb</a:t>
+            </a:r>
+            <a:r>
+              <a:rPr lang="en-US" sz="1200" b="1" dirty="0" smtClean="0">
+                <a:solidFill>
+                  <a:srgbClr val="FFC000"/>
+                </a:solidFill>
+                <a:latin typeface="Oxygen" panose="02000503000000000000" pitchFamily="2" charset="0"/>
+              </a:rPr>
+              <a:t> </a:t>
+            </a:r>
+            <a:r>
+              <a:rPr lang="en-US" sz="1100" b="1" dirty="0" smtClean="0">
+                <a:solidFill>
+                  <a:srgbClr val="FFC000"/>
+                </a:solidFill>
+                <a:latin typeface="Oxygen" panose="02000503000000000000" pitchFamily="2" charset="0"/>
+              </a:rPr>
+              <a:t>to AI </a:t>
+            </a:r>
+            <a:r>
+              <a:rPr lang="en-US" sz="1100" b="1" dirty="0">
+                <a:solidFill>
+                  <a:srgbClr val="FFC000"/>
+                </a:solidFill>
+                <a:latin typeface="Oxygen" panose="02000503000000000000" pitchFamily="2" charset="0"/>
+              </a:rPr>
+              <a:t>in </a:t>
+            </a:r>
+            <a:r>
+              <a:rPr lang="en-US" sz="1100" b="1" dirty="0" smtClean="0">
+                <a:solidFill>
+                  <a:srgbClr val="FFC000"/>
+                </a:solidFill>
+                <a:latin typeface="Oxygen" panose="02000503000000000000" pitchFamily="2" charset="0"/>
+              </a:rPr>
+              <a:t>20 years</a:t>
+            </a:r>
+          </a:p>
+          <a:p>
+            <a:pPr algn="ctr"/>
+            <a:r>
+              <a:rPr lang="en-US" sz="1100" b="1" dirty="0" smtClean="0">
+                <a:solidFill>
+                  <a:srgbClr val="FFC000"/>
+                </a:solidFill>
+                <a:latin typeface="Oxygen" panose="02000503000000000000" pitchFamily="2" charset="0"/>
+              </a:rPr>
+              <a:t>Prepare</a:t>
+            </a:r>
+            <a:r>
+              <a:rPr lang="en-US" sz="1200" b="1" dirty="0" smtClean="0">
+                <a:solidFill>
+                  <a:srgbClr val="FFC000"/>
+                </a:solidFill>
+                <a:latin typeface="Oxygen" panose="02000503000000000000" pitchFamily="2" charset="0"/>
+              </a:rPr>
+              <a:t> </a:t>
+            </a:r>
+            <a:r>
+              <a:rPr lang="en-US" sz="1400" b="1" dirty="0">
+                <a:solidFill>
+                  <a:srgbClr val="FFC000"/>
+                </a:solidFill>
+                <a:latin typeface="Oxygen" panose="02000503000000000000" pitchFamily="2" charset="0"/>
+              </a:rPr>
+              <a:t>y</a:t>
+            </a:r>
+            <a:r>
+              <a:rPr lang="en-US" sz="1400" b="1" dirty="0" smtClean="0">
+                <a:solidFill>
+                  <a:srgbClr val="FFC000"/>
+                </a:solidFill>
+                <a:latin typeface="Oxygen" panose="02000503000000000000" pitchFamily="2" charset="0"/>
+              </a:rPr>
+              <a:t>our </a:t>
+            </a:r>
+            <a:r>
+              <a:rPr lang="en-US" sz="1400" b="1" dirty="0">
+                <a:solidFill>
+                  <a:srgbClr val="FFC000"/>
+                </a:solidFill>
+                <a:latin typeface="Oxygen" panose="02000503000000000000" pitchFamily="2" charset="0"/>
+              </a:rPr>
+              <a:t>c</a:t>
+            </a:r>
+            <a:r>
+              <a:rPr lang="en-US" sz="1400" b="1" dirty="0" smtClean="0">
+                <a:solidFill>
+                  <a:srgbClr val="FFC000"/>
+                </a:solidFill>
+                <a:latin typeface="Oxygen" panose="02000503000000000000" pitchFamily="2" charset="0"/>
+              </a:rPr>
+              <a:t>hild </a:t>
+            </a:r>
+            <a:r>
+              <a:rPr lang="en-US" sz="1100" b="1" dirty="0">
+                <a:solidFill>
+                  <a:srgbClr val="FFC000"/>
+                </a:solidFill>
+                <a:latin typeface="Oxygen" panose="02000503000000000000" pitchFamily="2" charset="0"/>
+              </a:rPr>
+              <a:t>to t</a:t>
+            </a:r>
+            <a:r>
+              <a:rPr lang="en-US" sz="1100" b="1" dirty="0" smtClean="0">
+                <a:solidFill>
+                  <a:srgbClr val="FFC000"/>
+                </a:solidFill>
+                <a:latin typeface="Oxygen" panose="02000503000000000000" pitchFamily="2" charset="0"/>
+              </a:rPr>
+              <a:t>ake </a:t>
+            </a:r>
+            <a:r>
+              <a:rPr lang="en-US" sz="1100" b="1" dirty="0">
+                <a:solidFill>
+                  <a:srgbClr val="FFC000"/>
+                </a:solidFill>
+                <a:latin typeface="Oxygen" panose="02000503000000000000" pitchFamily="2" charset="0"/>
+              </a:rPr>
+              <a:t>on </a:t>
+            </a:r>
+            <a:r>
+              <a:rPr lang="en-US" sz="1100" b="1" dirty="0" smtClean="0">
+                <a:solidFill>
+                  <a:srgbClr val="FFC000"/>
+                </a:solidFill>
+                <a:latin typeface="Oxygen" panose="02000503000000000000" pitchFamily="2" charset="0"/>
+              </a:rPr>
+              <a:t>the </a:t>
+            </a:r>
+            <a:r>
+              <a:rPr lang="en-US" sz="1400" b="1" dirty="0">
+                <a:solidFill>
+                  <a:srgbClr val="FFC000"/>
+                </a:solidFill>
+                <a:latin typeface="Oxygen" panose="02000503000000000000" pitchFamily="2" charset="0"/>
+              </a:rPr>
+              <a:t>f</a:t>
+            </a:r>
+            <a:r>
+              <a:rPr lang="en-US" sz="1400" b="1" dirty="0" smtClean="0">
+                <a:solidFill>
+                  <a:srgbClr val="FFC000"/>
+                </a:solidFill>
+                <a:latin typeface="Oxygen" panose="02000503000000000000" pitchFamily="2" charset="0"/>
+              </a:rPr>
+              <a:t>uture</a:t>
+            </a:r>
+          </a:p>
+          <a:p>
+            <a:pPr algn="ctr">
+              <a:lnSpc>
+                <a:spcPct val="200000"/>
+              </a:lnSpc>
+            </a:pPr>
+            <a:r>
+              <a:rPr lang="en-US" sz="1600" b="1" dirty="0" smtClean="0">
+                <a:solidFill>
+                  <a:srgbClr val="FFC000"/>
+                </a:solidFill>
+                <a:latin typeface="Oxygen" panose="02000503000000000000" pitchFamily="2" charset="0"/>
+              </a:rPr>
+              <a:t>AI tuitions </a:t>
+            </a:r>
+            <a:r>
+              <a:rPr lang="en-US" sz="1600" b="1" dirty="0">
+                <a:solidFill>
+                  <a:srgbClr val="FFC000"/>
+                </a:solidFill>
+                <a:latin typeface="Oxygen" panose="02000503000000000000" pitchFamily="2" charset="0"/>
+              </a:rPr>
+              <a:t>for ICSE/CBSE/WB Board, Class </a:t>
+            </a:r>
+            <a:r>
+              <a:rPr lang="en-US" sz="1600" b="1" dirty="0" smtClean="0">
+                <a:solidFill>
+                  <a:srgbClr val="FFC000"/>
+                </a:solidFill>
+                <a:latin typeface="Oxygen" panose="02000503000000000000" pitchFamily="2" charset="0"/>
+              </a:rPr>
+              <a:t>IX-XII</a:t>
+            </a:r>
+          </a:p>
+          <a:p>
+            <a:pPr marL="171450" indent="-171450" algn="ctr">
+              <a:buFont typeface="Wingdings" panose="05000000000000000000" pitchFamily="2" charset="2"/>
+              <a:buChar char="v"/>
+            </a:pPr>
+            <a:r>
+              <a:rPr lang="en-AU" sz="1000" b="1" dirty="0" smtClean="0">
+                <a:solidFill>
+                  <a:srgbClr val="FFC000"/>
+                </a:solidFill>
+                <a:latin typeface="Oxygen" panose="02000503000000000000" pitchFamily="2" charset="0"/>
+              </a:rPr>
+              <a:t>Data </a:t>
+            </a:r>
+            <a:r>
+              <a:rPr lang="en-AU" sz="1000" b="1" dirty="0">
+                <a:solidFill>
+                  <a:srgbClr val="FFC000"/>
+                </a:solidFill>
+                <a:latin typeface="Oxygen" panose="02000503000000000000" pitchFamily="2" charset="0"/>
+              </a:rPr>
+              <a:t>Science Concepts </a:t>
+            </a:r>
+            <a:r>
+              <a:rPr lang="en-AU" sz="1000" b="1" dirty="0" smtClean="0">
+                <a:solidFill>
+                  <a:srgbClr val="FFC000"/>
+                </a:solidFill>
+                <a:latin typeface="Oxygen" panose="02000503000000000000" pitchFamily="2" charset="0"/>
+              </a:rPr>
+              <a:t>– Lucid details</a:t>
+            </a:r>
+          </a:p>
+          <a:p>
+            <a:pPr marL="171450" indent="-171450" algn="ctr">
+              <a:buFont typeface="Wingdings" panose="05000000000000000000" pitchFamily="2" charset="2"/>
+              <a:buChar char="v"/>
+            </a:pPr>
+            <a:r>
+              <a:rPr lang="en-AU" sz="1000" b="1" dirty="0">
+                <a:solidFill>
+                  <a:srgbClr val="FFC000"/>
+                </a:solidFill>
+                <a:latin typeface="Oxygen" panose="02000503000000000000" pitchFamily="2" charset="0"/>
+              </a:rPr>
+              <a:t>Python - </a:t>
+            </a:r>
+            <a:r>
+              <a:rPr lang="en-AU" sz="1000" b="1" dirty="0" smtClean="0">
+                <a:solidFill>
+                  <a:srgbClr val="FFC000"/>
+                </a:solidFill>
+                <a:latin typeface="Oxygen" panose="02000503000000000000" pitchFamily="2" charset="0"/>
+              </a:rPr>
+              <a:t>Basics</a:t>
+            </a:r>
+            <a:endParaRPr lang="en-AU" sz="1000" b="1" dirty="0">
+              <a:solidFill>
+                <a:srgbClr val="FFC000"/>
+              </a:solidFill>
+              <a:latin typeface="Oxygen" panose="02000503000000000000" pitchFamily="2" charset="0"/>
+            </a:endParaRPr>
+          </a:p>
+          <a:p>
+            <a:pPr marL="171450" indent="-171450" algn="ctr">
+              <a:buFont typeface="Wingdings" panose="05000000000000000000" pitchFamily="2" charset="2"/>
+              <a:buChar char="v"/>
+            </a:pPr>
+            <a:r>
+              <a:rPr lang="en-AU" sz="1000" b="1" dirty="0">
+                <a:solidFill>
+                  <a:srgbClr val="FFC000"/>
+                </a:solidFill>
+                <a:latin typeface="Oxygen" panose="02000503000000000000" pitchFamily="2" charset="0"/>
+              </a:rPr>
+              <a:t>Having fun with Data Visualization</a:t>
+            </a:r>
+          </a:p>
+          <a:p>
+            <a:pPr marL="171450" indent="-171450" algn="ctr">
+              <a:buFont typeface="Wingdings" panose="05000000000000000000" pitchFamily="2" charset="2"/>
+              <a:buChar char="v"/>
+            </a:pPr>
+            <a:r>
+              <a:rPr lang="en-AU" sz="1000" b="1" dirty="0">
+                <a:solidFill>
+                  <a:srgbClr val="FFC000"/>
+                </a:solidFill>
+                <a:latin typeface="Oxygen" panose="02000503000000000000" pitchFamily="2" charset="0"/>
+              </a:rPr>
+              <a:t>Computer Vision - C</a:t>
+            </a:r>
+            <a:r>
+              <a:rPr lang="en-AU" sz="1000" b="1" dirty="0" smtClean="0">
+                <a:solidFill>
+                  <a:srgbClr val="FFC000"/>
+                </a:solidFill>
+                <a:latin typeface="Oxygen" panose="02000503000000000000" pitchFamily="2" charset="0"/>
+              </a:rPr>
+              <a:t>ool </a:t>
+            </a:r>
+            <a:r>
+              <a:rPr lang="en-AU" sz="1000" b="1" dirty="0">
+                <a:solidFill>
+                  <a:srgbClr val="FFC000"/>
+                </a:solidFill>
+                <a:latin typeface="Oxygen" panose="02000503000000000000" pitchFamily="2" charset="0"/>
+              </a:rPr>
+              <a:t>p</a:t>
+            </a:r>
+            <a:r>
+              <a:rPr lang="en-AU" sz="1000" b="1" dirty="0" smtClean="0">
+                <a:solidFill>
+                  <a:srgbClr val="FFC000"/>
+                </a:solidFill>
+                <a:latin typeface="Oxygen" panose="02000503000000000000" pitchFamily="2" charset="0"/>
+              </a:rPr>
+              <a:t>rojects</a:t>
+            </a:r>
+            <a:endParaRPr lang="en-AU" sz="1000" b="1" dirty="0">
+              <a:solidFill>
+                <a:srgbClr val="FFC000"/>
+              </a:solidFill>
+              <a:latin typeface="Oxygen" panose="02000503000000000000" pitchFamily="2" charset="0"/>
+            </a:endParaRPr>
+          </a:p>
+          <a:p>
+            <a:pPr marL="171450" indent="-171450" algn="ctr">
+              <a:buFont typeface="Wingdings" panose="05000000000000000000" pitchFamily="2" charset="2"/>
+              <a:buChar char="v"/>
+            </a:pPr>
+            <a:r>
+              <a:rPr lang="en-AU" sz="1000" b="1" dirty="0" smtClean="0">
+                <a:solidFill>
+                  <a:srgbClr val="FFC000"/>
+                </a:solidFill>
+                <a:latin typeface="Oxygen" panose="02000503000000000000" pitchFamily="2" charset="0"/>
+              </a:rPr>
+              <a:t>Natural </a:t>
+            </a:r>
+            <a:r>
+              <a:rPr lang="en-AU" sz="1000" b="1" dirty="0">
+                <a:solidFill>
+                  <a:srgbClr val="FFC000"/>
+                </a:solidFill>
+                <a:latin typeface="Oxygen" panose="02000503000000000000" pitchFamily="2" charset="0"/>
+              </a:rPr>
+              <a:t>Language Processing</a:t>
+            </a:r>
+          </a:p>
+          <a:p>
+            <a:pPr marL="171450" indent="-171450" algn="ctr">
+              <a:buFont typeface="Wingdings" panose="05000000000000000000" pitchFamily="2" charset="2"/>
+              <a:buChar char="v"/>
+            </a:pPr>
+            <a:r>
+              <a:rPr lang="en-AU" sz="1000" b="1" dirty="0">
+                <a:solidFill>
+                  <a:srgbClr val="FFC000"/>
+                </a:solidFill>
+                <a:latin typeface="Oxygen" panose="02000503000000000000" pitchFamily="2" charset="0"/>
+              </a:rPr>
+              <a:t>Cyber Security - </a:t>
+            </a:r>
+            <a:r>
+              <a:rPr lang="en-AU" sz="1000" b="1" dirty="0" smtClean="0">
+                <a:solidFill>
+                  <a:srgbClr val="FFC000"/>
+                </a:solidFill>
+                <a:latin typeface="Oxygen" panose="02000503000000000000" pitchFamily="2" charset="0"/>
+              </a:rPr>
+              <a:t>Essential </a:t>
+            </a:r>
+            <a:r>
+              <a:rPr lang="en-AU" sz="1000" b="1" dirty="0">
+                <a:solidFill>
+                  <a:srgbClr val="FFC000"/>
+                </a:solidFill>
+                <a:latin typeface="Oxygen" panose="02000503000000000000" pitchFamily="2" charset="0"/>
+              </a:rPr>
+              <a:t>basics</a:t>
+            </a:r>
+          </a:p>
+          <a:p>
+            <a:pPr marL="171450" indent="-171450" algn="ctr">
+              <a:buFont typeface="Wingdings" panose="05000000000000000000" pitchFamily="2" charset="2"/>
+              <a:buChar char="v"/>
+            </a:pPr>
+            <a:r>
+              <a:rPr lang="en-AU" sz="1000" b="1" dirty="0">
+                <a:solidFill>
+                  <a:srgbClr val="FFC000"/>
+                </a:solidFill>
+                <a:latin typeface="Oxygen" panose="02000503000000000000" pitchFamily="2" charset="0"/>
+              </a:rPr>
+              <a:t>IoT &amp; Robotics - Getting hands-on with Microcontrollers</a:t>
+            </a:r>
+          </a:p>
+          <a:p>
+            <a:pPr marL="171450" indent="-171450" algn="ctr">
+              <a:buFont typeface="Wingdings" panose="05000000000000000000" pitchFamily="2" charset="2"/>
+              <a:buChar char="v"/>
+            </a:pPr>
+            <a:r>
+              <a:rPr lang="en-AU" sz="1000" b="1" dirty="0" smtClean="0">
+                <a:solidFill>
+                  <a:srgbClr val="FFC000"/>
+                </a:solidFill>
+                <a:latin typeface="Oxygen" panose="02000503000000000000" pitchFamily="2" charset="0"/>
+              </a:rPr>
+              <a:t>Technical </a:t>
+            </a:r>
+            <a:r>
+              <a:rPr lang="en-AU" sz="1000" b="1" dirty="0">
+                <a:solidFill>
+                  <a:srgbClr val="FFC000"/>
+                </a:solidFill>
+                <a:latin typeface="Oxygen" panose="02000503000000000000" pitchFamily="2" charset="0"/>
+              </a:rPr>
+              <a:t>Communication </a:t>
+            </a:r>
+            <a:r>
+              <a:rPr lang="en-AU" sz="1000" b="1" dirty="0" smtClean="0">
+                <a:solidFill>
+                  <a:srgbClr val="FFC000"/>
+                </a:solidFill>
+                <a:latin typeface="Oxygen" panose="02000503000000000000" pitchFamily="2" charset="0"/>
+              </a:rPr>
+              <a:t>Skills &amp; Business Intelligence</a:t>
+            </a:r>
+            <a:endParaRPr lang="en-US" sz="1000" b="1" dirty="0">
+              <a:solidFill>
+                <a:srgbClr val="FFC000"/>
+              </a:solidFill>
+              <a:latin typeface="Oxygen" panose="02000503000000000000" pitchFamily="2" charset="0"/>
+            </a:endParaRPr>
+          </a:p>
+          <a:p>
+            <a:pPr algn="ctr">
+              <a:lnSpc>
+                <a:spcPct val="200000"/>
+              </a:lnSpc>
+            </a:pPr>
+            <a:r>
+              <a:rPr lang="en-US" sz="1400" b="1" dirty="0">
+                <a:solidFill>
+                  <a:srgbClr val="FFC000"/>
+                </a:solidFill>
+                <a:latin typeface="Oxygen" panose="02000503000000000000" pitchFamily="2" charset="0"/>
+              </a:rPr>
+              <a:t>Project based, </a:t>
+            </a:r>
+            <a:r>
+              <a:rPr lang="en-US" sz="1400" b="1" dirty="0" smtClean="0">
+                <a:solidFill>
+                  <a:srgbClr val="FFC000"/>
+                </a:solidFill>
+                <a:latin typeface="Oxygen" panose="02000503000000000000" pitchFamily="2" charset="0"/>
+              </a:rPr>
+              <a:t>fun </a:t>
+            </a:r>
+            <a:r>
+              <a:rPr lang="en-US" sz="1400" b="1" dirty="0">
+                <a:solidFill>
+                  <a:srgbClr val="FFC000"/>
+                </a:solidFill>
+                <a:latin typeface="Oxygen" panose="02000503000000000000" pitchFamily="2" charset="0"/>
+              </a:rPr>
+              <a:t>&amp; </a:t>
+            </a:r>
+            <a:r>
+              <a:rPr lang="en-US" sz="1400" b="1" dirty="0" smtClean="0">
+                <a:solidFill>
+                  <a:srgbClr val="FFC000"/>
+                </a:solidFill>
+                <a:latin typeface="Oxygen" panose="02000503000000000000" pitchFamily="2" charset="0"/>
+              </a:rPr>
+              <a:t>easy learning</a:t>
+            </a:r>
+            <a:endParaRPr lang="en-US" sz="1400" b="1" dirty="0">
+              <a:solidFill>
+                <a:srgbClr val="FFC000"/>
+              </a:solidFill>
+              <a:latin typeface="Oxygen" panose="02000503000000000000" pitchFamily="2" charset="0"/>
+            </a:endParaRPr>
+          </a:p>
+          <a:p>
+            <a:pPr algn="ctr">
+              <a:lnSpc>
+                <a:spcPct val="150000"/>
+              </a:lnSpc>
+            </a:pPr>
+            <a:r>
+              <a:rPr lang="en-US" sz="1400" b="1" dirty="0">
+                <a:solidFill>
+                  <a:srgbClr val="FFC000"/>
+                </a:solidFill>
+                <a:latin typeface="Oxygen" panose="02000503000000000000" pitchFamily="2" charset="0"/>
+              </a:rPr>
+              <a:t>Globally e</a:t>
+            </a:r>
+            <a:r>
+              <a:rPr lang="en-US" sz="1400" b="1" dirty="0" smtClean="0">
+                <a:solidFill>
+                  <a:srgbClr val="FFC000"/>
+                </a:solidFill>
+                <a:latin typeface="Oxygen" panose="02000503000000000000" pitchFamily="2" charset="0"/>
+              </a:rPr>
+              <a:t>xperienced </a:t>
+            </a:r>
+            <a:r>
+              <a:rPr lang="en-US" sz="1400" b="1" dirty="0">
+                <a:solidFill>
+                  <a:srgbClr val="FFC000"/>
+                </a:solidFill>
+                <a:latin typeface="Oxygen" panose="02000503000000000000" pitchFamily="2" charset="0"/>
+              </a:rPr>
+              <a:t>f</a:t>
+            </a:r>
+            <a:r>
+              <a:rPr lang="en-US" sz="1400" b="1" dirty="0" smtClean="0">
+                <a:solidFill>
+                  <a:srgbClr val="FFC000"/>
+                </a:solidFill>
+                <a:latin typeface="Oxygen" panose="02000503000000000000" pitchFamily="2" charset="0"/>
+              </a:rPr>
+              <a:t>aculty </a:t>
+            </a:r>
+            <a:r>
+              <a:rPr lang="en-US" sz="1400" b="1" dirty="0">
+                <a:solidFill>
+                  <a:srgbClr val="FFC000"/>
+                </a:solidFill>
+                <a:latin typeface="Oxygen" panose="02000503000000000000" pitchFamily="2" charset="0"/>
+              </a:rPr>
+              <a:t>from </a:t>
+            </a:r>
+            <a:r>
+              <a:rPr lang="en-US" sz="1400" b="1" dirty="0" smtClean="0">
+                <a:solidFill>
+                  <a:srgbClr val="FFC000"/>
+                </a:solidFill>
+                <a:latin typeface="Oxygen" panose="02000503000000000000" pitchFamily="2" charset="0"/>
+              </a:rPr>
+              <a:t>prestigious organizations</a:t>
+            </a:r>
+            <a:endParaRPr lang="en-AU" sz="1400" b="1" dirty="0">
+              <a:solidFill>
+                <a:srgbClr val="FFC000"/>
+              </a:solidFill>
+              <a:latin typeface="Oxygen" panose="02000503000000000000" pitchFamily="2" charset="0"/>
+            </a:endParaRPr>
+          </a:p>
+        </p:txBody>
+      </p:sp>
+      <p:sp>
+        <p:nvSpPr>
+          <p:cNvPr id="21" name="32-Point Star 20"/>
+          <p:cNvSpPr/>
+          <p:nvPr/>
+        </p:nvSpPr>
+        <p:spPr>
+          <a:xfrm>
+            <a:off x="657225" y="7855868"/>
+            <a:ext cx="2047335" cy="1035725"/>
+          </a:xfrm>
+          <a:prstGeom prst="star32">
+            <a:avLst/>
+          </a:prstGeom>
+          <a:solidFill>
+            <a:srgbClr val="002060"/>
+          </a:solidFill>
+          <a:ln w="85725">
+            <a:solidFill>
+              <a:srgbClr val="FF0000"/>
+            </a:solidFill>
+          </a:ln>
+        </p:spPr>
+        <p:style>
+          <a:lnRef idx="2">
+            <a:schemeClr val="accent1">
+              <a:shade val="50000"/>
+            </a:schemeClr>
+          </a:lnRef>
+          <a:fillRef idx="1">
+            <a:schemeClr val="accent1"/>
+          </a:fillRef>
+          <a:effectRef idx="0">
+            <a:schemeClr val="accent1"/>
+          </a:effectRef>
+          <a:fontRef idx="minor">
+            <a:schemeClr val="lt1"/>
+          </a:fontRef>
+        </p:style>
+        <p:txBody>
+          <a:bodyPr rtlCol="0" anchor="ctr"/>
+          <a:lstStyle/>
+          <a:p>
+            <a:pPr algn="ctr"/>
+            <a:r>
+              <a:rPr lang="en-US" sz="1050" b="1" cap="small" dirty="0" smtClean="0">
+                <a:solidFill>
+                  <a:schemeClr val="bg1"/>
+                </a:solidFill>
+                <a:latin typeface="Oxygen" panose="02000503000000000000" pitchFamily="2" charset="0"/>
+              </a:rPr>
+              <a:t>Bring a friend</a:t>
+            </a:r>
+          </a:p>
+          <a:p>
+            <a:pPr algn="ctr"/>
+            <a:r>
+              <a:rPr lang="en-US" sz="1050" b="1" cap="small" dirty="0" smtClean="0">
+                <a:solidFill>
+                  <a:schemeClr val="bg1"/>
+                </a:solidFill>
+                <a:latin typeface="Oxygen" panose="02000503000000000000" pitchFamily="2" charset="0"/>
+              </a:rPr>
+              <a:t>&amp; get</a:t>
+            </a:r>
+          </a:p>
+          <a:p>
+            <a:pPr algn="ctr"/>
+            <a:r>
+              <a:rPr lang="en-US" sz="1050" b="1" cap="small" dirty="0" smtClean="0">
+                <a:solidFill>
+                  <a:schemeClr val="bg1"/>
+                </a:solidFill>
+                <a:latin typeface="Oxygen" panose="02000503000000000000" pitchFamily="2" charset="0"/>
+              </a:rPr>
+              <a:t> </a:t>
+            </a:r>
+            <a:r>
+              <a:rPr lang="en-US" sz="2000" b="1" dirty="0" smtClean="0">
+                <a:solidFill>
+                  <a:schemeClr val="bg1"/>
+                </a:solidFill>
+                <a:latin typeface="Oxygen" panose="02000503000000000000" pitchFamily="2" charset="0"/>
+              </a:rPr>
+              <a:t>50</a:t>
+            </a:r>
+            <a:r>
+              <a:rPr lang="en-US" sz="2000" b="1" dirty="0" smtClean="0">
+                <a:solidFill>
+                  <a:schemeClr val="bg1"/>
+                </a:solidFill>
+                <a:latin typeface="Oxygen" panose="02000503000000000000" pitchFamily="2" charset="0"/>
+              </a:rPr>
+              <a:t>%</a:t>
+            </a:r>
+            <a:r>
+              <a:rPr lang="en-US" sz="1000" b="1" dirty="0" smtClean="0">
+                <a:solidFill>
+                  <a:schemeClr val="bg1"/>
+                </a:solidFill>
+                <a:latin typeface="Oxygen" panose="02000503000000000000" pitchFamily="2" charset="0"/>
+              </a:rPr>
+              <a:t> </a:t>
+            </a:r>
+            <a:r>
+              <a:rPr lang="en-US" sz="1000" b="1" dirty="0">
+                <a:solidFill>
+                  <a:schemeClr val="bg1"/>
+                </a:solidFill>
+                <a:latin typeface="Oxygen" panose="02000503000000000000" pitchFamily="2" charset="0"/>
+              </a:rPr>
+              <a:t>O</a:t>
+            </a:r>
+            <a:r>
+              <a:rPr lang="en-US" sz="1000" b="1" dirty="0" smtClean="0">
+                <a:solidFill>
+                  <a:schemeClr val="bg1"/>
+                </a:solidFill>
+                <a:latin typeface="Oxygen" panose="02000503000000000000" pitchFamily="2" charset="0"/>
+              </a:rPr>
+              <a:t>FF </a:t>
+            </a:r>
+            <a:endParaRPr lang="en-US" sz="1000" b="1" dirty="0" smtClean="0">
+              <a:solidFill>
+                <a:schemeClr val="bg1"/>
+              </a:solidFill>
+              <a:latin typeface="Oxygen" panose="02000503000000000000" pitchFamily="2" charset="0"/>
+            </a:endParaRPr>
+          </a:p>
+        </p:txBody>
+      </p:sp>
       <p:pic>
         <p:nvPicPr>
-          <p:cNvPr id="16" name="Picture 15"/>
+          <p:cNvPr id="23" name="Picture 22"/>
           <p:cNvPicPr>
             <a:picLocks noChangeAspect="1"/>
           </p:cNvPicPr>
           <p:nvPr/>
         </p:nvPicPr>
         <p:blipFill>
-          <a:blip r:embed="rId2">
+          <a:blip r:embed="rId7" cstate="print">
+            <a:extLst>
+              <a:ext uri="{28A0092B-C50C-407E-A947-70E740481C1C}">
+                <a14:useLocalDpi xmlns:a14="http://schemas.microsoft.com/office/drawing/2010/main" val="0"/>
+              </a:ext>
+            </a:extLst>
+          </a:blip>
+          <a:stretch>
+            <a:fillRect/>
+          </a:stretch>
+        </p:blipFill>
+        <p:spPr>
+          <a:xfrm flipH="1">
+            <a:off x="5425301" y="7813666"/>
+            <a:ext cx="785976" cy="1201623"/>
+          </a:xfrm>
+          <a:prstGeom prst="rect">
+            <a:avLst/>
+          </a:prstGeom>
+        </p:spPr>
+      </p:pic>
+      <p:sp>
+        <p:nvSpPr>
+          <p:cNvPr id="24" name="32-Point Star 23"/>
+          <p:cNvSpPr/>
+          <p:nvPr/>
+        </p:nvSpPr>
+        <p:spPr>
+          <a:xfrm>
+            <a:off x="2952750" y="7796727"/>
+            <a:ext cx="2047335" cy="1035725"/>
+          </a:xfrm>
+          <a:prstGeom prst="star32">
+            <a:avLst/>
+          </a:prstGeom>
+          <a:solidFill>
+            <a:srgbClr val="002060"/>
+          </a:solidFill>
+          <a:ln w="85725">
+            <a:solidFill>
+              <a:srgbClr val="FF0000"/>
+            </a:solidFill>
+          </a:ln>
+        </p:spPr>
+        <p:style>
+          <a:lnRef idx="2">
+            <a:schemeClr val="accent1">
+              <a:shade val="50000"/>
+            </a:schemeClr>
+          </a:lnRef>
+          <a:fillRef idx="1">
+            <a:schemeClr val="accent1"/>
+          </a:fillRef>
+          <a:effectRef idx="0">
+            <a:schemeClr val="accent1"/>
+          </a:effectRef>
+          <a:fontRef idx="minor">
+            <a:schemeClr val="lt1"/>
+          </a:fontRef>
+        </p:style>
+        <p:txBody>
+          <a:bodyPr rtlCol="0" anchor="ctr"/>
+          <a:lstStyle/>
+          <a:p>
+            <a:pPr algn="ctr"/>
+            <a:r>
+              <a:rPr lang="en-US" sz="1050" b="1" cap="small" dirty="0" smtClean="0">
+                <a:solidFill>
+                  <a:schemeClr val="bg1"/>
+                </a:solidFill>
+                <a:latin typeface="Oxygen" panose="02000503000000000000" pitchFamily="2" charset="0"/>
+              </a:rPr>
+              <a:t>Learn Other Subjects</a:t>
+            </a:r>
+          </a:p>
+          <a:p>
+            <a:pPr algn="ctr"/>
+            <a:r>
+              <a:rPr lang="en-US" sz="1050" b="1" cap="small" dirty="0" smtClean="0">
+                <a:solidFill>
+                  <a:schemeClr val="bg1"/>
+                </a:solidFill>
+                <a:latin typeface="Oxygen" panose="02000503000000000000" pitchFamily="2" charset="0"/>
+              </a:rPr>
+              <a:t>&amp; get</a:t>
+            </a:r>
+          </a:p>
+          <a:p>
+            <a:pPr algn="ctr"/>
+            <a:r>
+              <a:rPr lang="en-US" sz="1050" b="1" cap="small" dirty="0" smtClean="0">
+                <a:solidFill>
+                  <a:schemeClr val="bg1"/>
+                </a:solidFill>
+                <a:latin typeface="Oxygen" panose="02000503000000000000" pitchFamily="2" charset="0"/>
+              </a:rPr>
+              <a:t> </a:t>
+            </a:r>
+            <a:r>
+              <a:rPr lang="en-US" sz="2000" b="1" dirty="0" smtClean="0">
+                <a:solidFill>
+                  <a:schemeClr val="bg1"/>
+                </a:solidFill>
+                <a:latin typeface="Oxygen" panose="02000503000000000000" pitchFamily="2" charset="0"/>
+              </a:rPr>
+              <a:t>50</a:t>
+            </a:r>
+            <a:r>
+              <a:rPr lang="en-US" sz="2000" b="1" dirty="0" smtClean="0">
+                <a:solidFill>
+                  <a:schemeClr val="bg1"/>
+                </a:solidFill>
+                <a:latin typeface="Oxygen" panose="02000503000000000000" pitchFamily="2" charset="0"/>
+              </a:rPr>
+              <a:t>%</a:t>
+            </a:r>
+            <a:r>
+              <a:rPr lang="en-US" sz="1000" b="1" dirty="0" smtClean="0">
+                <a:solidFill>
+                  <a:schemeClr val="bg1"/>
+                </a:solidFill>
+                <a:latin typeface="Oxygen" panose="02000503000000000000" pitchFamily="2" charset="0"/>
+              </a:rPr>
+              <a:t> </a:t>
+            </a:r>
+            <a:r>
+              <a:rPr lang="en-US" sz="1000" b="1" dirty="0">
+                <a:solidFill>
+                  <a:schemeClr val="bg1"/>
+                </a:solidFill>
+                <a:latin typeface="Oxygen" panose="02000503000000000000" pitchFamily="2" charset="0"/>
+              </a:rPr>
+              <a:t>O</a:t>
+            </a:r>
+            <a:r>
+              <a:rPr lang="en-US" sz="1000" b="1" dirty="0" smtClean="0">
+                <a:solidFill>
+                  <a:schemeClr val="bg1"/>
+                </a:solidFill>
+                <a:latin typeface="Oxygen" panose="02000503000000000000" pitchFamily="2" charset="0"/>
+              </a:rPr>
+              <a:t>FF </a:t>
+            </a:r>
+            <a:endParaRPr lang="en-US" sz="1000" b="1" dirty="0" smtClean="0">
+              <a:solidFill>
+                <a:schemeClr val="bg1"/>
+              </a:solidFill>
+              <a:latin typeface="Oxygen" panose="02000503000000000000" pitchFamily="2" charset="0"/>
+            </a:endParaRPr>
+          </a:p>
+        </p:txBody>
+      </p:sp>
+      <p:pic>
+        <p:nvPicPr>
+          <p:cNvPr id="25" name="Picture 24"/>
+          <p:cNvPicPr>
+            <a:picLocks noChangeAspect="1"/>
+          </p:cNvPicPr>
+          <p:nvPr/>
+        </p:nvPicPr>
+        <p:blipFill>
+          <a:blip r:embed="rId8" cstate="print">
             <a:extLst>
               <a:ext uri="{28A0092B-C50C-407E-A947-70E740481C1C}">
                 <a14:useLocalDpi xmlns:a14="http://schemas.microsoft.com/office/drawing/2010/main" val="0"/>
@@ -3070,252 +5091,423 @@
         </p:blipFill>
         <p:spPr>
           <a:xfrm>
-            <a:off x="-119990" y="-420961"/>
-            <a:ext cx="6884640" cy="10326961"/>
+            <a:off x="4702067" y="8837707"/>
+            <a:ext cx="2139910" cy="1012273"/>
           </a:xfrm>
           <a:prstGeom prst="rect">
             <a:avLst/>
           </a:prstGeom>
         </p:spPr>
       </p:pic>
+      <p:sp>
+        <p:nvSpPr>
+          <p:cNvPr id="26" name="Rectangle 25"/>
+          <p:cNvSpPr/>
+          <p:nvPr/>
+        </p:nvSpPr>
+        <p:spPr>
+          <a:xfrm>
+            <a:off x="2778183" y="8972338"/>
+            <a:ext cx="2089092" cy="600164"/>
+          </a:xfrm>
+          <a:prstGeom prst="rect">
+            <a:avLst/>
+          </a:prstGeom>
+        </p:spPr>
+        <p:txBody>
+          <a:bodyPr wrap="square">
+            <a:spAutoFit/>
+          </a:bodyPr>
+          <a:lstStyle/>
+          <a:p>
+            <a:pPr algn="ctr">
+              <a:lnSpc>
+                <a:spcPct val="150000"/>
+              </a:lnSpc>
+            </a:pPr>
+            <a:r>
+              <a:rPr lang="en-US" sz="1100" b="1" u="sng" dirty="0" smtClean="0">
+                <a:solidFill>
+                  <a:srgbClr val="00FF00"/>
+                </a:solidFill>
+                <a:latin typeface="Oxygen" panose="02000503000000000000" pitchFamily="2" charset="0"/>
+              </a:rPr>
+              <a:t>anirban@anodiam.com</a:t>
+            </a:r>
+            <a:endParaRPr lang="en-US" sz="300" b="1" dirty="0">
+              <a:solidFill>
+                <a:srgbClr val="00FF00"/>
+              </a:solidFill>
+              <a:latin typeface="Oxygen" panose="02000503000000000000" pitchFamily="2" charset="0"/>
+            </a:endParaRPr>
+          </a:p>
+          <a:p>
+            <a:pPr algn="ctr">
+              <a:lnSpc>
+                <a:spcPct val="150000"/>
+              </a:lnSpc>
+            </a:pPr>
+            <a:r>
+              <a:rPr lang="en-US" sz="1100" b="1" dirty="0" smtClean="0">
+                <a:solidFill>
+                  <a:schemeClr val="bg1"/>
+                </a:solidFill>
+                <a:latin typeface="Oxygen" panose="02000503000000000000" pitchFamily="2" charset="0"/>
+              </a:rPr>
+              <a:t> </a:t>
+            </a:r>
+            <a:r>
+              <a:rPr lang="en-US" sz="1100" b="1" dirty="0">
+                <a:solidFill>
+                  <a:schemeClr val="bg1"/>
+                </a:solidFill>
+                <a:latin typeface="Oxygen" panose="02000503000000000000" pitchFamily="2" charset="0"/>
+              </a:rPr>
+              <a:t>9163685448 / </a:t>
+            </a:r>
+            <a:r>
+              <a:rPr lang="en-US" sz="1100" b="1" dirty="0" smtClean="0">
+                <a:solidFill>
+                  <a:schemeClr val="bg1"/>
+                </a:solidFill>
+                <a:latin typeface="Oxygen" panose="02000503000000000000" pitchFamily="2" charset="0"/>
+              </a:rPr>
+              <a:t>9073 700094</a:t>
+            </a:r>
+            <a:endParaRPr lang="en-AU" sz="1100" b="1" dirty="0">
+              <a:solidFill>
+                <a:schemeClr val="bg1"/>
+              </a:solidFill>
+              <a:latin typeface="Oxygen" panose="02000503000000000000" pitchFamily="2" charset="0"/>
+            </a:endParaRPr>
+          </a:p>
+        </p:txBody>
+      </p:sp>
+      <p:sp>
+        <p:nvSpPr>
+          <p:cNvPr id="27" name="Rectangle 26"/>
+          <p:cNvSpPr/>
+          <p:nvPr/>
+        </p:nvSpPr>
+        <p:spPr>
+          <a:xfrm>
+            <a:off x="192491" y="8942911"/>
+            <a:ext cx="2426884" cy="615553"/>
+          </a:xfrm>
+          <a:prstGeom prst="rect">
+            <a:avLst/>
+          </a:prstGeom>
+        </p:spPr>
+        <p:txBody>
+          <a:bodyPr wrap="square">
+            <a:spAutoFit/>
+          </a:bodyPr>
+          <a:lstStyle/>
+          <a:p>
+            <a:pPr algn="ctr"/>
+            <a:r>
+              <a:rPr lang="en-US" sz="1050" b="1" dirty="0" smtClean="0">
+                <a:solidFill>
+                  <a:schemeClr val="bg1"/>
+                </a:solidFill>
+                <a:latin typeface="Oxygen" panose="02000503000000000000" pitchFamily="2" charset="0"/>
+              </a:rPr>
+              <a:t>N-1/25 Kunal Road, </a:t>
+            </a:r>
+            <a:r>
+              <a:rPr lang="en-US" sz="1400" b="1" dirty="0" smtClean="0">
+                <a:solidFill>
+                  <a:schemeClr val="bg1"/>
+                </a:solidFill>
+                <a:latin typeface="Oxygen" panose="02000503000000000000" pitchFamily="2" charset="0"/>
+              </a:rPr>
+              <a:t>Patuli</a:t>
+            </a:r>
+            <a:r>
+              <a:rPr lang="en-US" sz="1100" b="1" dirty="0" smtClean="0">
+                <a:solidFill>
+                  <a:schemeClr val="bg1"/>
+                </a:solidFill>
+                <a:latin typeface="Oxygen" panose="02000503000000000000" pitchFamily="2" charset="0"/>
+              </a:rPr>
+              <a:t>,</a:t>
+            </a:r>
+            <a:endParaRPr lang="en-US" sz="800" b="1" dirty="0" smtClean="0">
+              <a:solidFill>
+                <a:schemeClr val="bg1"/>
+              </a:solidFill>
+              <a:latin typeface="Oxygen" panose="02000503000000000000" pitchFamily="2" charset="0"/>
+            </a:endParaRPr>
+          </a:p>
+          <a:p>
+            <a:pPr algn="ctr"/>
+            <a:r>
+              <a:rPr lang="en-US" sz="900" b="1" dirty="0" smtClean="0">
+                <a:solidFill>
+                  <a:schemeClr val="bg1"/>
+                </a:solidFill>
+                <a:latin typeface="Oxygen" panose="02000503000000000000" pitchFamily="2" charset="0"/>
+              </a:rPr>
+              <a:t>Kolkata 700094</a:t>
+            </a:r>
+          </a:p>
+          <a:p>
+            <a:pPr algn="ctr"/>
+            <a:r>
+              <a:rPr lang="en-US" sz="1000" b="1" dirty="0" smtClean="0">
+                <a:solidFill>
+                  <a:schemeClr val="bg1"/>
+                </a:solidFill>
+                <a:latin typeface="Oxygen" panose="02000503000000000000" pitchFamily="2" charset="0"/>
+              </a:rPr>
+              <a:t>Near Fire Brigade &amp; Krishi Bikash, </a:t>
+            </a:r>
+            <a:endParaRPr lang="en-AU" sz="1000" b="1" dirty="0">
+              <a:solidFill>
+                <a:schemeClr val="bg1"/>
+              </a:solidFill>
+              <a:latin typeface="Oxygen" panose="02000503000000000000" pitchFamily="2" charset="0"/>
+            </a:endParaRPr>
+          </a:p>
+        </p:txBody>
+      </p:sp>
       <p:pic>
         <p:nvPicPr>
-          <p:cNvPr id="9" name="Picture 8"/>
+          <p:cNvPr id="1026" name="Picture 2" descr="File:Facebook Logo (2019).png - Wikimedia Commons"/>
           <p:cNvPicPr>
-            <a:picLocks noChangeAspect="1"/>
+            <a:picLocks noChangeAspect="1" noChangeArrowheads="1"/>
           </p:cNvPicPr>
           <p:nvPr/>
         </p:nvPicPr>
         <p:blipFill>
-          <a:blip r:embed="rId3" cstate="print">
+          <a:blip r:embed="rId9" cstate="print">
             <a:extLst>
               <a:ext uri="{28A0092B-C50C-407E-A947-70E740481C1C}">
                 <a14:useLocalDpi xmlns:a14="http://schemas.microsoft.com/office/drawing/2010/main" val="0"/>
               </a:ext>
             </a:extLst>
           </a:blip>
+          <a:srcRect/>
           <a:stretch>
             <a:fillRect/>
           </a:stretch>
         </p:blipFill>
-        <p:spPr>
-          <a:xfrm flipH="1">
-            <a:off x="3322762" y="1837905"/>
-            <a:ext cx="1861469" cy="1132040"/>
+        <p:spPr bwMode="auto">
+          <a:xfrm>
+            <a:off x="511706" y="9586162"/>
+            <a:ext cx="231083" cy="231083"/>
           </a:xfrm>
           <a:prstGeom prst="rect">
             <a:avLst/>
           </a:prstGeom>
+          <a:noFill/>
+          <a:extLst>
+            <a:ext uri="{909E8E84-426E-40DD-AFC4-6F175D3DCCD1}">
+              <a14:hiddenFill xmlns:a14="http://schemas.microsoft.com/office/drawing/2010/main">
+                <a:solidFill>
+                  <a:srgbClr val="FFFFFF"/>
+                </a:solidFill>
+              </a14:hiddenFill>
+            </a:ext>
+          </a:extLst>
         </p:spPr>
       </p:pic>
       <p:pic>
         <p:nvPicPr>
-          <p:cNvPr id="5" name="Picture 4"/>
+          <p:cNvPr id="1034" name="Picture 10" descr="New Instagram Logo PNG Images 2023"/>
           <p:cNvPicPr>
-            <a:picLocks noChangeAspect="1"/>
+            <a:picLocks noChangeAspect="1" noChangeArrowheads="1"/>
           </p:cNvPicPr>
           <p:nvPr/>
         </p:nvPicPr>
         <p:blipFill>
-          <a:blip r:embed="rId4">
+          <a:blip r:embed="rId10" cstate="print">
             <a:extLst>
               <a:ext uri="{28A0092B-C50C-407E-A947-70E740481C1C}">
                 <a14:useLocalDpi xmlns:a14="http://schemas.microsoft.com/office/drawing/2010/main" val="0"/>
               </a:ext>
             </a:extLst>
           </a:blip>
+          <a:srcRect/>
           <a:stretch>
             <a:fillRect/>
           </a:stretch>
         </p:blipFill>
-        <p:spPr>
-          <a:xfrm flipH="1">
-            <a:off x="3781142" y="2083754"/>
-            <a:ext cx="2725378" cy="1657419"/>
+        <p:spPr bwMode="auto">
+          <a:xfrm>
+            <a:off x="1045553" y="9575304"/>
+            <a:ext cx="241941" cy="241941"/>
           </a:xfrm>
           <a:prstGeom prst="rect">
             <a:avLst/>
           </a:prstGeom>
+          <a:noFill/>
+          <a:extLst>
+            <a:ext uri="{909E8E84-426E-40DD-AFC4-6F175D3DCCD1}">
+              <a14:hiddenFill xmlns:a14="http://schemas.microsoft.com/office/drawing/2010/main">
+                <a:solidFill>
+                  <a:srgbClr val="FFFFFF"/>
+                </a:solidFill>
+              </a14:hiddenFill>
+            </a:ext>
+          </a:extLst>
         </p:spPr>
       </p:pic>
       <p:pic>
         <p:nvPicPr>
-          <p:cNvPr id="8" name="Picture 7"/>
+          <p:cNvPr id="1038" name="Picture 14" descr="Whatsapp Icon PNGs for Free Download"/>
           <p:cNvPicPr>
-            <a:picLocks noChangeAspect="1"/>
+            <a:picLocks noChangeAspect="1" noChangeArrowheads="1"/>
           </p:cNvPicPr>
           <p:nvPr/>
         </p:nvPicPr>
         <p:blipFill>
-          <a:blip r:embed="rId4" cstate="print">
+          <a:blip r:embed="rId11" cstate="print">
             <a:extLst>
               <a:ext uri="{28A0092B-C50C-407E-A947-70E740481C1C}">
                 <a14:useLocalDpi xmlns:a14="http://schemas.microsoft.com/office/drawing/2010/main" val="0"/>
               </a:ext>
             </a:extLst>
           </a:blip>
+          <a:srcRect/>
           <a:stretch>
             <a:fillRect/>
           </a:stretch>
         </p:blipFill>
-        <p:spPr>
+        <p:spPr bwMode="auto">
           <a:xfrm>
-            <a:off x="2199615" y="1836727"/>
-            <a:ext cx="2236765" cy="1245244"/>
+            <a:off x="1620539" y="9566604"/>
+            <a:ext cx="250641" cy="250641"/>
           </a:xfrm>
           <a:prstGeom prst="rect">
             <a:avLst/>
           </a:prstGeom>
+          <a:noFill/>
+          <a:extLst>
+            <a:ext uri="{909E8E84-426E-40DD-AFC4-6F175D3DCCD1}">
+              <a14:hiddenFill xmlns:a14="http://schemas.microsoft.com/office/drawing/2010/main">
+                <a:solidFill>
+                  <a:srgbClr val="FFFFFF"/>
+                </a:solidFill>
+              </a14:hiddenFill>
+            </a:ext>
+          </a:extLst>
         </p:spPr>
       </p:pic>
       <p:pic>
         <p:nvPicPr>
-          <p:cNvPr id="3" name="Picture 2"/>
+          <p:cNvPr id="1040" name="Picture 16" descr="Linkedin logo png, Linkedin icon transparent png 18930587 PNG"/>
           <p:cNvPicPr>
-            <a:picLocks noChangeAspect="1"/>
+            <a:picLocks noChangeAspect="1" noChangeArrowheads="1"/>
           </p:cNvPicPr>
           <p:nvPr/>
         </p:nvPicPr>
         <p:blipFill>
-          <a:blip r:embed="rId4">
+          <a:blip r:embed="rId12" cstate="print">
             <a:extLst>
               <a:ext uri="{28A0092B-C50C-407E-A947-70E740481C1C}">
                 <a14:useLocalDpi xmlns:a14="http://schemas.microsoft.com/office/drawing/2010/main" val="0"/>
               </a:ext>
             </a:extLst>
           </a:blip>
+          <a:srcRect/>
           <a:stretch>
             <a:fillRect/>
           </a:stretch>
         </p:blipFill>
+        <p:spPr bwMode="auto">
+          <a:xfrm>
+            <a:off x="2103528" y="9483218"/>
+            <a:ext cx="422782" cy="422782"/>
+          </a:xfrm>
+          <a:prstGeom prst="rect">
+            <a:avLst/>
+          </a:prstGeom>
+          <a:noFill/>
+          <a:extLst>
+            <a:ext uri="{909E8E84-426E-40DD-AFC4-6F175D3DCCD1}">
+              <a14:hiddenFill xmlns:a14="http://schemas.microsoft.com/office/drawing/2010/main">
+                <a:solidFill>
+                  <a:srgbClr val="FFFFFF"/>
+                </a:solidFill>
+              </a14:hiddenFill>
+            </a:ext>
+          </a:extLst>
+        </p:spPr>
+      </p:pic>
+      <p:sp>
+        <p:nvSpPr>
+          <p:cNvPr id="28" name="Rectangle 27"/>
+          <p:cNvSpPr/>
+          <p:nvPr/>
+        </p:nvSpPr>
         <p:spPr>
           <a:xfrm>
-            <a:off x="348127" y="1881842"/>
-            <a:ext cx="4358822" cy="2426628"/>
+            <a:off x="2622930" y="9554061"/>
+            <a:ext cx="2055371" cy="338554"/>
           </a:xfrm>
           <a:prstGeom prst="rect">
             <a:avLst/>
           </a:prstGeom>
         </p:spPr>
-      </p:pic>
+        <p:txBody>
+          <a:bodyPr wrap="none">
+            <a:spAutoFit/>
+          </a:bodyPr>
+          <a:lstStyle/>
+          <a:p>
+            <a:r>
+              <a:rPr lang="en-US" sz="1600" b="1" dirty="0" smtClean="0">
+                <a:solidFill>
+                  <a:srgbClr val="00FF00"/>
+                </a:solidFill>
+                <a:latin typeface="Oxygen" panose="02000503000000000000" pitchFamily="2" charset="0"/>
+              </a:rPr>
+              <a:t>www.anodiam.com</a:t>
+            </a:r>
+            <a:endParaRPr lang="en-AU" sz="1600" dirty="0"/>
+          </a:p>
+        </p:txBody>
+      </p:sp>
       <p:pic>
         <p:nvPicPr>
-          <p:cNvPr id="6" name="Picture 5"/>
+          <p:cNvPr id="1042" name="Picture 18" descr="Page 2 | Phone Icon Png Images - Free Download on Freepik"/>
           <p:cNvPicPr>
-            <a:picLocks noChangeAspect="1"/>
+            <a:picLocks noChangeAspect="1" noChangeArrowheads="1"/>
           </p:cNvPicPr>
           <p:nvPr/>
         </p:nvPicPr>
         <p:blipFill>
-          <a:blip r:embed="rId5">
+          <a:blip r:embed="rId13" cstate="print">
             <a:extLst>
               <a:ext uri="{28A0092B-C50C-407E-A947-70E740481C1C}">
                 <a14:useLocalDpi xmlns:a14="http://schemas.microsoft.com/office/drawing/2010/main" val="0"/>
               </a:ext>
             </a:extLst>
           </a:blip>
+          <a:srcRect/>
           <a:stretch>
             <a:fillRect/>
           </a:stretch>
         </p:blipFill>
-        <p:spPr>
+        <p:spPr bwMode="auto">
           <a:xfrm>
-            <a:off x="3147138" y="1744372"/>
-            <a:ext cx="1379277" cy="2128746"/>
+            <a:off x="2681522" y="9296415"/>
+            <a:ext cx="254075" cy="254075"/>
           </a:xfrm>
           <a:prstGeom prst="rect">
             <a:avLst/>
           </a:prstGeom>
-        </p:spPr>
-      </p:pic>
-      <p:pic>
-        <p:nvPicPr>
-          <p:cNvPr id="7" name="Picture 6"/>
-          <p:cNvPicPr>
-            <a:picLocks noChangeAspect="1"/>
-          </p:cNvPicPr>
-          <p:nvPr/>
-        </p:nvPicPr>
-        <p:blipFill>
-          <a:blip r:embed="rId6">
-            <a:extLst>
-              <a:ext uri="{28A0092B-C50C-407E-A947-70E740481C1C}">
-                <a14:useLocalDpi xmlns:a14="http://schemas.microsoft.com/office/drawing/2010/main" val="0"/>
-              </a:ext>
-            </a:extLst>
-          </a:blip>
-          <a:stretch>
-            <a:fillRect/>
-          </a:stretch>
-        </p:blipFill>
-        <p:spPr>
-          <a:xfrm>
-            <a:off x="2269947" y="2405118"/>
-            <a:ext cx="5218060" cy="3684967"/>
-          </a:xfrm>
-          <a:prstGeom prst="rect">
-            <a:avLst/>
-          </a:prstGeom>
-        </p:spPr>
-      </p:pic>
-      <p:pic>
-        <p:nvPicPr>
-          <p:cNvPr id="12" name="Picture 11"/>
-          <p:cNvPicPr>
-            <a:picLocks noChangeAspect="1"/>
-          </p:cNvPicPr>
-          <p:nvPr/>
-        </p:nvPicPr>
-        <p:blipFill>
-          <a:blip r:embed="rId6">
-            <a:extLst>
-              <a:ext uri="{28A0092B-C50C-407E-A947-70E740481C1C}">
-                <a14:useLocalDpi xmlns:a14="http://schemas.microsoft.com/office/drawing/2010/main" val="0"/>
-              </a:ext>
-            </a:extLst>
-          </a:blip>
-          <a:stretch>
-            <a:fillRect/>
-          </a:stretch>
-        </p:blipFill>
-        <p:spPr>
-          <a:xfrm flipH="1">
-            <a:off x="-1195155" y="2588994"/>
-            <a:ext cx="4024895" cy="2768570"/>
-          </a:xfrm>
-          <a:prstGeom prst="rect">
-            <a:avLst/>
-          </a:prstGeom>
-        </p:spPr>
-      </p:pic>
-      <p:pic>
-        <p:nvPicPr>
-          <p:cNvPr id="13" name="Picture 12"/>
-          <p:cNvPicPr>
-            <a:picLocks noChangeAspect="1"/>
-          </p:cNvPicPr>
-          <p:nvPr/>
-        </p:nvPicPr>
-        <p:blipFill>
-          <a:blip r:embed="rId6">
-            <a:extLst>
-              <a:ext uri="{28A0092B-C50C-407E-A947-70E740481C1C}">
-                <a14:useLocalDpi xmlns:a14="http://schemas.microsoft.com/office/drawing/2010/main" val="0"/>
-              </a:ext>
-            </a:extLst>
-          </a:blip>
-          <a:stretch>
-            <a:fillRect/>
-          </a:stretch>
-        </p:blipFill>
-        <p:spPr>
-          <a:xfrm>
-            <a:off x="4712423" y="3037054"/>
-            <a:ext cx="3564005" cy="2516882"/>
-          </a:xfrm>
-          <a:prstGeom prst="rect">
-            <a:avLst/>
-          </a:prstGeom>
+          <a:noFill/>
+          <a:extLst>
+            <a:ext uri="{909E8E84-426E-40DD-AFC4-6F175D3DCCD1}">
+              <a14:hiddenFill xmlns:a14="http://schemas.microsoft.com/office/drawing/2010/main">
+                <a:solidFill>
+                  <a:srgbClr val="FFFFFF"/>
+                </a:solidFill>
+              </a14:hiddenFill>
+            </a:ext>
+          </a:extLst>
         </p:spPr>
       </p:pic>
     </p:spTree>
@@ -3328,6 +5520,13 @@
   <p:clrMapOvr>
     <a:masterClrMapping/>
   </p:clrMapOvr>
+  <p:timing>
+    <p:tnLst>
+      <p:par>
+        <p:cTn id="1" dur="indefinite" restart="never" nodeType="tmRoot"/>
+      </p:par>
+    </p:tnLst>
+  </p:timing>
 </p:sld>
 </file>
 
@@ -3590,4 +5789,265 @@
     </a:ext>
   </a:extLst>
 </a:theme>
+</file>
+
+<file path=ppt/theme/theme2.xml><?xml version="1.0" encoding="utf-8"?>
+<a:theme xmlns:a="http://schemas.openxmlformats.org/drawingml/2006/main" name="Office Theme">
+  <a:themeElements>
+    <a:clrScheme name="Office">
+      <a:dk1>
+        <a:sysClr val="windowText" lastClr="000000"/>
+      </a:dk1>
+      <a:lt1>
+        <a:sysClr val="window" lastClr="FFFFFF"/>
+      </a:lt1>
+      <a:dk2>
+        <a:srgbClr val="44546A"/>
+      </a:dk2>
+      <a:lt2>
+        <a:srgbClr val="E7E6E6"/>
+      </a:lt2>
+      <a:accent1>
+        <a:srgbClr val="5B9BD5"/>
+      </a:accent1>
+      <a:accent2>
+        <a:srgbClr val="ED7D31"/>
+      </a:accent2>
+      <a:accent3>
+        <a:srgbClr val="A5A5A5"/>
+      </a:accent3>
+      <a:accent4>
+        <a:srgbClr val="FFC000"/>
+      </a:accent4>
+      <a:accent5>
+        <a:srgbClr val="4472C4"/>
+      </a:accent5>
+      <a:accent6>
+        <a:srgbClr val="70AD47"/>
+      </a:accent6>
+      <a:hlink>
+        <a:srgbClr val="0563C1"/>
+      </a:hlink>
+      <a:folHlink>
+        <a:srgbClr val="954F72"/>
+      </a:folHlink>
+    </a:clrScheme>
+    <a:fontScheme name="Office">
+      <a:majorFont>
+        <a:latin typeface="Calibri Light" panose="020F0302020204030204"/>
+        <a:ea typeface=""/>
+        <a:cs typeface=""/>
+        <a:font script="Jpan" typeface="ＭＳ Ｐゴシック"/>
+        <a:font script="Hang" typeface="맑은 고딕"/>
+        <a:font script="Hans" typeface="宋体"/>
+        <a:font script="Hant" typeface="新細明體"/>
+        <a:font script="Arab" typeface="Times New Roman"/>
+        <a:font script="Hebr" typeface="Times New Roman"/>
+        <a:font script="Thai" typeface="Angsana New"/>
+        <a:font script="Ethi" typeface="Nyala"/>
+        <a:font script="Beng" typeface="Vrinda"/>
+        <a:font script="Gujr" typeface="Shruti"/>
+        <a:font script="Khmr" typeface="MoolBoran"/>
+        <a:font script="Knda" typeface="Tunga"/>
+        <a:font script="Guru" typeface="Raavi"/>
+        <a:font script="Cans" typeface="Euphemia"/>
+        <a:font script="Cher" typeface="Plantagenet Cherokee"/>
+        <a:font script="Yiii" typeface="Microsoft Yi Baiti"/>
+        <a:font script="Tibt" typeface="Microsoft Himalaya"/>
+        <a:font script="Thaa" typeface="MV Boli"/>
+        <a:font script="Deva" typeface="Mangal"/>
+        <a:font script="Telu" typeface="Gautami"/>
+        <a:font script="Taml" typeface="Latha"/>
+        <a:font script="Syrc" typeface="Estrangelo Edessa"/>
+        <a:font script="Orya" typeface="Kalinga"/>
+        <a:font script="Mlym" typeface="Kartika"/>
+        <a:font script="Laoo" typeface="DokChampa"/>
+        <a:font script="Sinh" typeface="Iskoola Pota"/>
+        <a:font script="Mong" typeface="Mongolian Baiti"/>
+        <a:font script="Viet" typeface="Times New Roman"/>
+        <a:font script="Uigh" typeface="Microsoft Uighur"/>
+        <a:font script="Geor" typeface="Sylfaen"/>
+      </a:majorFont>
+      <a:minorFont>
+        <a:latin typeface="Calibri" panose="020F0502020204030204"/>
+        <a:ea typeface=""/>
+        <a:cs typeface=""/>
+        <a:font script="Jpan" typeface="ＭＳ Ｐゴシック"/>
+        <a:font script="Hang" typeface="맑은 고딕"/>
+        <a:font script="Hans" typeface="宋体"/>
+        <a:font script="Hant" typeface="新細明體"/>
+        <a:font script="Arab" typeface="Arial"/>
+        <a:font script="Hebr" typeface="Arial"/>
+        <a:font script="Thai" typeface="Cordia New"/>
+        <a:font script="Ethi" typeface="Nyala"/>
+        <a:font script="Beng" typeface="Vrinda"/>
+        <a:font script="Gujr" typeface="Shruti"/>
+        <a:font script="Khmr" typeface="DaunPenh"/>
+        <a:font script="Knda" typeface="Tunga"/>
+        <a:font script="Guru" typeface="Raavi"/>
+        <a:font script="Cans" typeface="Euphemia"/>
+        <a:font script="Cher" typeface="Plantagenet Cherokee"/>
+        <a:font script="Yiii" typeface="Microsoft Yi Baiti"/>
+        <a:font script="Tibt" typeface="Microsoft Himalaya"/>
+        <a:font script="Thaa" typeface="MV Boli"/>
+        <a:font script="Deva" typeface="Mangal"/>
+        <a:font script="Telu" typeface="Gautami"/>
+        <a:font script="Taml" typeface="Latha"/>
+        <a:font script="Syrc" typeface="Estrangelo Edessa"/>
+        <a:font script="Orya" typeface="Kalinga"/>
+        <a:font script="Mlym" typeface="Kartika"/>
+        <a:font script="Laoo" typeface="DokChampa"/>
+        <a:font script="Sinh" typeface="Iskoola Pota"/>
+        <a:font script="Mong" typeface="Mongolian Baiti"/>
+        <a:font script="Viet" typeface="Arial"/>
+        <a:font script="Uigh" typeface="Microsoft Uighur"/>
+        <a:font script="Geor" typeface="Sylfaen"/>
+      </a:minorFont>
+    </a:fontScheme>
+    <a:fmtScheme name="Office">
+      <a:fillStyleLst>
+        <a:solidFill>
+          <a:schemeClr val="phClr"/>
+        </a:solidFill>
+        <a:gradFill rotWithShape="1">
+          <a:gsLst>
+            <a:gs pos="0">
+              <a:schemeClr val="phClr">
+                <a:lumMod val="110000"/>
+                <a:satMod val="105000"/>
+                <a:tint val="67000"/>
+              </a:schemeClr>
+            </a:gs>
+            <a:gs pos="50000">
+              <a:schemeClr val="phClr">
+                <a:lumMod val="105000"/>
+                <a:satMod val="103000"/>
+                <a:tint val="73000"/>
+              </a:schemeClr>
+            </a:gs>
+            <a:gs pos="100000">
+              <a:schemeClr val="phClr">
+                <a:lumMod val="105000"/>
+                <a:satMod val="109000"/>
+                <a:tint val="81000"/>
+              </a:schemeClr>
+            </a:gs>
+          </a:gsLst>
+          <a:lin ang="5400000" scaled="0"/>
+        </a:gradFill>
+        <a:gradFill rotWithShape="1">
+          <a:gsLst>
+            <a:gs pos="0">
+              <a:schemeClr val="phClr">
+                <a:satMod val="103000"/>
+                <a:lumMod val="102000"/>
+                <a:tint val="94000"/>
+              </a:schemeClr>
+            </a:gs>
+            <a:gs pos="50000">
+              <a:schemeClr val="phClr">
+                <a:satMod val="110000"/>
+                <a:lumMod val="100000"/>
+                <a:shade val="100000"/>
+              </a:schemeClr>
+            </a:gs>
+            <a:gs pos="100000">
+              <a:schemeClr val="phClr">
+                <a:lumMod val="99000"/>
+                <a:satMod val="120000"/>
+                <a:shade val="78000"/>
+              </a:schemeClr>
+            </a:gs>
+          </a:gsLst>
+          <a:lin ang="5400000" scaled="0"/>
+        </a:gradFill>
+      </a:fillStyleLst>
+      <a:lnStyleLst>
+        <a:ln w="6350" cap="flat" cmpd="sng" algn="ctr">
+          <a:solidFill>
+            <a:schemeClr val="phClr"/>
+          </a:solidFill>
+          <a:prstDash val="solid"/>
+          <a:miter lim="800000"/>
+        </a:ln>
+        <a:ln w="12700" cap="flat" cmpd="sng" algn="ctr">
+          <a:solidFill>
+            <a:schemeClr val="phClr"/>
+          </a:solidFill>
+          <a:prstDash val="solid"/>
+          <a:miter lim="800000"/>
+        </a:ln>
+        <a:ln w="19050" cap="flat" cmpd="sng" algn="ctr">
+          <a:solidFill>
+            <a:schemeClr val="phClr"/>
+          </a:solidFill>
+          <a:prstDash val="solid"/>
+          <a:miter lim="800000"/>
+        </a:ln>
+      </a:lnStyleLst>
+      <a:effectStyleLst>
+        <a:effectStyle>
+          <a:effectLst/>
+        </a:effectStyle>
+        <a:effectStyle>
+          <a:effectLst/>
+        </a:effectStyle>
+        <a:effectStyle>
+          <a:effectLst>
+            <a:outerShdw blurRad="57150" dist="19050" dir="5400000" algn="ctr" rotWithShape="0">
+              <a:srgbClr val="000000">
+                <a:alpha val="63000"/>
+              </a:srgbClr>
+            </a:outerShdw>
+          </a:effectLst>
+        </a:effectStyle>
+      </a:effectStyleLst>
+      <a:bgFillStyleLst>
+        <a:solidFill>
+          <a:schemeClr val="phClr"/>
+        </a:solidFill>
+        <a:solidFill>
+          <a:schemeClr val="phClr">
+            <a:tint val="95000"/>
+            <a:satMod val="170000"/>
+          </a:schemeClr>
+        </a:solidFill>
+        <a:gradFill rotWithShape="1">
+          <a:gsLst>
+            <a:gs pos="0">
+              <a:schemeClr val="phClr">
+                <a:tint val="93000"/>
+                <a:satMod val="150000"/>
+                <a:shade val="98000"/>
+                <a:lumMod val="102000"/>
+              </a:schemeClr>
+            </a:gs>
+            <a:gs pos="50000">
+              <a:schemeClr val="phClr">
+                <a:tint val="98000"/>
+                <a:satMod val="130000"/>
+                <a:shade val="90000"/>
+                <a:lumMod val="103000"/>
+              </a:schemeClr>
+            </a:gs>
+            <a:gs pos="100000">
+              <a:schemeClr val="phClr">
+                <a:shade val="63000"/>
+                <a:satMod val="120000"/>
+              </a:schemeClr>
+            </a:gs>
+          </a:gsLst>
+          <a:lin ang="5400000" scaled="0"/>
+        </a:gradFill>
+      </a:bgFillStyleLst>
+    </a:fmtScheme>
+  </a:themeElements>
+  <a:objectDefaults/>
+  <a:extraClrSchemeLst/>
+  <a:extLst>
+    <a:ext uri="{05A4C25C-085E-4340-85A3-A5531E510DB2}">
+      <thm15:themeFamily xmlns:thm15="http://schemas.microsoft.com/office/thememl/2012/main" name="Office Theme" id="{62F939B6-93AF-4DB8-9C6B-D6C7DFDC589F}" vid="{4A3C46E8-61CC-4603-A589-7422A47A8E4A}"/>
+    </a:ext>
+  </a:extLst>
+</a:theme>
 </file>